--- a/bin/TEMPLATE_BOLD_PLACEHOLDERS.pptx
+++ b/bin/TEMPLATE_BOLD_PLACEHOLDERS.pptx
@@ -10,15 +10,15 @@
   <p:sldIdLst>
     <p:sldId id="256" r:id="rId2"/>
     <p:sldId id="258" r:id="rId3"/>
-    <p:sldId id="277" r:id="rId4"/>
-    <p:sldId id="278" r:id="rId5"/>
+    <p:sldId id="286" r:id="rId4"/>
+    <p:sldId id="287" r:id="rId5"/>
     <p:sldId id="273" r:id="rId6"/>
-    <p:sldId id="285" r:id="rId7"/>
-    <p:sldId id="281" r:id="rId8"/>
-    <p:sldId id="280" r:id="rId9"/>
+    <p:sldId id="288" r:id="rId7"/>
+    <p:sldId id="289" r:id="rId8"/>
+    <p:sldId id="290" r:id="rId9"/>
     <p:sldId id="276" r:id="rId10"/>
     <p:sldId id="282" r:id="rId11"/>
-    <p:sldId id="283" r:id="rId12"/>
+    <p:sldId id="291" r:id="rId12"/>
   </p:sldIdLst>
   <p:sldSz cx="10058400" cy="7772400"/>
   <p:notesSz cx="6858000" cy="9144000"/>
@@ -218,7 +218,7 @@
           <a:p>
             <a:fld id="{2E9DB196-4E5B-B64B-848D-69F7B54B86BB}" type="datetimeFigureOut">
               <a:rPr lang="en-US" smtClean="0"/>
-              <a:t>8/3/20</a:t>
+              <a:t>8/4/20</a:t>
             </a:fld>
             <a:endParaRPr lang="en-US"/>
           </a:p>
@@ -825,7 +825,7 @@
           <a:p>
             <a:fld id="{AFCB438B-53EA-094D-A45F-391681BE2E8A}" type="datetimeFigureOut">
               <a:rPr lang="en-US" smtClean="0"/>
-              <a:t>8/3/20</a:t>
+              <a:t>8/4/20</a:t>
             </a:fld>
             <a:endParaRPr lang="en-US"/>
           </a:p>
@@ -990,7 +990,7 @@
           <a:p>
             <a:fld id="{AFCB438B-53EA-094D-A45F-391681BE2E8A}" type="datetimeFigureOut">
               <a:rPr lang="en-US" smtClean="0"/>
-              <a:t>8/3/20</a:t>
+              <a:t>8/4/20</a:t>
             </a:fld>
             <a:endParaRPr lang="en-US"/>
           </a:p>
@@ -1165,7 +1165,7 @@
           <a:p>
             <a:fld id="{AFCB438B-53EA-094D-A45F-391681BE2E8A}" type="datetimeFigureOut">
               <a:rPr lang="en-US" smtClean="0"/>
-              <a:t>8/3/20</a:t>
+              <a:t>8/4/20</a:t>
             </a:fld>
             <a:endParaRPr lang="en-US"/>
           </a:p>
@@ -1384,7 +1384,7 @@
           <a:p>
             <a:fld id="{AFCB438B-53EA-094D-A45F-391681BE2E8A}" type="datetimeFigureOut">
               <a:rPr lang="en-US" smtClean="0"/>
-              <a:t>8/3/20</a:t>
+              <a:t>8/4/20</a:t>
             </a:fld>
             <a:endParaRPr lang="en-US"/>
           </a:p>
@@ -1623,7 +1623,7 @@
           <a:p>
             <a:fld id="{AFCB438B-53EA-094D-A45F-391681BE2E8A}" type="datetimeFigureOut">
               <a:rPr lang="en-US" smtClean="0"/>
-              <a:t>8/3/20</a:t>
+              <a:t>8/4/20</a:t>
             </a:fld>
             <a:endParaRPr lang="en-US"/>
           </a:p>
@@ -1850,7 +1850,7 @@
           <a:p>
             <a:fld id="{AFCB438B-53EA-094D-A45F-391681BE2E8A}" type="datetimeFigureOut">
               <a:rPr lang="en-US" smtClean="0"/>
-              <a:t>8/3/20</a:t>
+              <a:t>8/4/20</a:t>
             </a:fld>
             <a:endParaRPr lang="en-US"/>
           </a:p>
@@ -2212,7 +2212,7 @@
           <a:p>
             <a:fld id="{AFCB438B-53EA-094D-A45F-391681BE2E8A}" type="datetimeFigureOut">
               <a:rPr lang="en-US" smtClean="0"/>
-              <a:t>8/3/20</a:t>
+              <a:t>8/4/20</a:t>
             </a:fld>
             <a:endParaRPr lang="en-US"/>
           </a:p>
@@ -2325,7 +2325,7 @@
           <a:p>
             <a:fld id="{AFCB438B-53EA-094D-A45F-391681BE2E8A}" type="datetimeFigureOut">
               <a:rPr lang="en-US" smtClean="0"/>
-              <a:t>8/3/20</a:t>
+              <a:t>8/4/20</a:t>
             </a:fld>
             <a:endParaRPr lang="en-US"/>
           </a:p>
@@ -2415,7 +2415,7 @@
           <a:p>
             <a:fld id="{AFCB438B-53EA-094D-A45F-391681BE2E8A}" type="datetimeFigureOut">
               <a:rPr lang="en-US" smtClean="0"/>
-              <a:t>8/3/20</a:t>
+              <a:t>8/4/20</a:t>
             </a:fld>
             <a:endParaRPr lang="en-US"/>
           </a:p>
@@ -2687,7 +2687,7 @@
           <a:p>
             <a:fld id="{AFCB438B-53EA-094D-A45F-391681BE2E8A}" type="datetimeFigureOut">
               <a:rPr lang="en-US" smtClean="0"/>
-              <a:t>8/3/20</a:t>
+              <a:t>8/4/20</a:t>
             </a:fld>
             <a:endParaRPr lang="en-US"/>
           </a:p>
@@ -2939,7 +2939,7 @@
           <a:p>
             <a:fld id="{AFCB438B-53EA-094D-A45F-391681BE2E8A}" type="datetimeFigureOut">
               <a:rPr lang="en-US" smtClean="0"/>
-              <a:t>8/3/20</a:t>
+              <a:t>8/4/20</a:t>
             </a:fld>
             <a:endParaRPr lang="en-US"/>
           </a:p>
@@ -3147,7 +3147,7 @@
           <a:p>
             <a:fld id="{AFCB438B-53EA-094D-A45F-391681BE2E8A}" type="datetimeFigureOut">
               <a:rPr lang="en-US" smtClean="0"/>
-              <a:t>8/3/20</a:t>
+              <a:t>8/4/20</a:t>
             </a:fld>
             <a:endParaRPr lang="en-US"/>
           </a:p>
@@ -4281,23 +4281,6 @@
           </a:p>
         </p:txBody>
       </p:sp>
-      <p:sp>
-        <p:nvSpPr>
-          <p:cNvPr id="2" name="Picture Placeholder 1"/>
-          <p:cNvSpPr>
-            <a:spLocks noGrp="1"/>
-          </p:cNvSpPr>
-          <p:nvPr>
-            <p:ph type="pic" sz="quarter" idx="10"/>
-          </p:nvPr>
-        </p:nvSpPr>
-        <p:spPr>
-          <a:xfrm>
-            <a:off x="1473200" y="2010168"/>
-            <a:ext cx="7111999" cy="5334000"/>
-          </a:xfrm>
-        </p:spPr>
-      </p:sp>
     </p:spTree>
     <p:extLst>
       <p:ext uri="{BB962C8B-B14F-4D97-AF65-F5344CB8AC3E}">
@@ -4336,8 +4319,8 @@
         </p:nvSpPr>
         <p:spPr>
           <a:xfrm>
-            <a:off x="2682240" y="2202033"/>
-            <a:ext cx="4693920" cy="3368333"/>
+            <a:off x="1792777" y="1793774"/>
+            <a:ext cx="6472846" cy="4304266"/>
           </a:xfrm>
           <a:prstGeom prst="rect">
             <a:avLst/>
@@ -4348,9 +4331,7 @@
             </a:schemeClr>
           </a:solidFill>
           <a:ln>
-            <a:solidFill>
-              <a:schemeClr val="tx1"/>
-            </a:solidFill>
+            <a:noFill/>
           </a:ln>
         </p:spPr>
         <p:style>
@@ -4730,7 +4711,7 @@
       </p:sp>
       <p:sp>
         <p:nvSpPr>
-          <p:cNvPr id="2" name="Picture Placeholder 1"/>
+          <p:cNvPr id="9" name="Picture Placeholder 8"/>
           <p:cNvSpPr>
             <a:spLocks noGrp="1"/>
           </p:cNvSpPr>
@@ -4740,15 +4721,15 @@
         </p:nvSpPr>
         <p:spPr>
           <a:xfrm>
-            <a:off x="2682240" y="2202033"/>
-            <a:ext cx="4693920" cy="3368333"/>
+            <a:off x="1792778" y="1793773"/>
+            <a:ext cx="6472846" cy="4304267"/>
           </a:xfrm>
         </p:spPr>
       </p:sp>
     </p:spTree>
     <p:extLst>
       <p:ext uri="{BB962C8B-B14F-4D97-AF65-F5344CB8AC3E}">
-        <p14:creationId xmlns:p14="http://schemas.microsoft.com/office/powerpoint/2010/main" val="722307104"/>
+        <p14:creationId xmlns:p14="http://schemas.microsoft.com/office/powerpoint/2010/main" val="1307376879"/>
       </p:ext>
     </p:extLst>
   </p:cSld>
@@ -6547,7 +6528,7 @@
         <p:spPr>
           <a:xfrm>
             <a:off x="335280" y="1263507"/>
-            <a:ext cx="9387840" cy="6282732"/>
+            <a:ext cx="9387840" cy="6258560"/>
           </a:xfrm>
           <a:prstGeom prst="rect">
             <a:avLst/>
@@ -6619,14 +6600,14 @@
         <p:spPr>
           <a:xfrm>
             <a:off x="335280" y="1263508"/>
-            <a:ext cx="9387840" cy="6282732"/>
+            <a:ext cx="9387840" cy="6258560"/>
           </a:xfrm>
         </p:spPr>
       </p:sp>
     </p:spTree>
     <p:extLst>
       <p:ext uri="{BB962C8B-B14F-4D97-AF65-F5344CB8AC3E}">
-        <p14:creationId xmlns:p14="http://schemas.microsoft.com/office/powerpoint/2010/main" val="368416827"/>
+        <p14:creationId xmlns:p14="http://schemas.microsoft.com/office/powerpoint/2010/main" val="1513243183"/>
       </p:ext>
     </p:extLst>
   </p:cSld>
@@ -6742,7 +6723,7 @@
       </p:sp>
       <p:sp>
         <p:nvSpPr>
-          <p:cNvPr id="11" name="Rectangle 10"/>
+          <p:cNvPr id="4" name="Rectangle 3"/>
           <p:cNvSpPr/>
           <p:nvPr/>
         </p:nvSpPr>
@@ -6820,7 +6801,7 @@
       </p:sp>
       <p:sp>
         <p:nvSpPr>
-          <p:cNvPr id="12" name="Rectangle 11"/>
+          <p:cNvPr id="5" name="Rectangle 4"/>
           <p:cNvSpPr/>
           <p:nvPr/>
         </p:nvSpPr>
@@ -6896,7 +6877,7 @@
       </p:sp>
       <p:cxnSp>
         <p:nvCxnSpPr>
-          <p:cNvPr id="13" name="Straight Arrow Connector 12"/>
+          <p:cNvPr id="6" name="Straight Arrow Connector 5"/>
           <p:cNvCxnSpPr/>
           <p:nvPr/>
         </p:nvCxnSpPr>
@@ -6932,7 +6913,7 @@
       </p:cxnSp>
       <p:cxnSp>
         <p:nvCxnSpPr>
-          <p:cNvPr id="14" name="Straight Arrow Connector 13"/>
+          <p:cNvPr id="7" name="Straight Arrow Connector 6"/>
           <p:cNvCxnSpPr/>
           <p:nvPr/>
         </p:nvCxnSpPr>
@@ -6968,7 +6949,7 @@
       </p:cxnSp>
       <p:cxnSp>
         <p:nvCxnSpPr>
-          <p:cNvPr id="15" name="Straight Arrow Connector 14"/>
+          <p:cNvPr id="8" name="Straight Arrow Connector 7"/>
           <p:cNvCxnSpPr/>
           <p:nvPr/>
         </p:nvCxnSpPr>
@@ -7004,7 +6985,7 @@
       </p:cxnSp>
       <p:cxnSp>
         <p:nvCxnSpPr>
-          <p:cNvPr id="16" name="Straight Arrow Connector 15"/>
+          <p:cNvPr id="9" name="Straight Arrow Connector 8"/>
           <p:cNvCxnSpPr/>
           <p:nvPr/>
         </p:nvCxnSpPr>
@@ -7040,7 +7021,7 @@
       </p:cxnSp>
       <p:cxnSp>
         <p:nvCxnSpPr>
-          <p:cNvPr id="17" name="Straight Arrow Connector 16"/>
+          <p:cNvPr id="10" name="Straight Arrow Connector 9"/>
           <p:cNvCxnSpPr/>
           <p:nvPr/>
         </p:nvCxnSpPr>
@@ -7076,7 +7057,7 @@
       </p:cxnSp>
       <p:cxnSp>
         <p:nvCxnSpPr>
-          <p:cNvPr id="18" name="Straight Arrow Connector 17"/>
+          <p:cNvPr id="11" name="Straight Arrow Connector 10"/>
           <p:cNvCxnSpPr/>
           <p:nvPr/>
         </p:nvCxnSpPr>
@@ -7112,14 +7093,14 @@
       </p:cxnSp>
       <p:sp>
         <p:nvSpPr>
-          <p:cNvPr id="19" name="Rectangle 18"/>
+          <p:cNvPr id="12" name="Rectangle 11"/>
           <p:cNvSpPr/>
           <p:nvPr/>
         </p:nvSpPr>
         <p:spPr>
           <a:xfrm>
-            <a:off x="335280" y="1943493"/>
-            <a:ext cx="9387840" cy="3368333"/>
+            <a:off x="335280" y="2219484"/>
+            <a:ext cx="9387840" cy="2816352"/>
           </a:xfrm>
           <a:prstGeom prst="rect">
             <a:avLst/>
@@ -7180,13 +7161,13 @@
       </p:sp>
       <p:sp>
         <p:nvSpPr>
-          <p:cNvPr id="23" name="Rectangle 22"/>
+          <p:cNvPr id="13" name="Rectangle 12"/>
           <p:cNvSpPr/>
           <p:nvPr/>
         </p:nvSpPr>
         <p:spPr>
           <a:xfrm>
-            <a:off x="3413196" y="5415340"/>
+            <a:off x="3413196" y="5045229"/>
             <a:ext cx="2786340" cy="435825"/>
           </a:xfrm>
           <a:prstGeom prst="rect">
@@ -7249,15 +7230,15 @@
         </p:nvSpPr>
         <p:spPr>
           <a:xfrm>
-            <a:off x="335280" y="1940000"/>
-            <a:ext cx="9387840" cy="3371826"/>
+            <a:off x="335280" y="2219484"/>
+            <a:ext cx="9387840" cy="2816352"/>
           </a:xfrm>
         </p:spPr>
       </p:sp>
     </p:spTree>
     <p:extLst>
       <p:ext uri="{BB962C8B-B14F-4D97-AF65-F5344CB8AC3E}">
-        <p14:creationId xmlns:p14="http://schemas.microsoft.com/office/powerpoint/2010/main" val="615552790"/>
+        <p14:creationId xmlns:p14="http://schemas.microsoft.com/office/powerpoint/2010/main" val="300019860"/>
       </p:ext>
     </p:extLst>
   </p:cSld>
@@ -8225,330 +8206,6 @@
               </a:rPr>
               <a:t>Left</a:t>
             </a:r>
-          </a:p>
-        </p:txBody>
-      </p:sp>
-      <p:sp>
-        <p:nvSpPr>
-          <p:cNvPr id="19" name="Oval 18">
-            <a:extLst>
-              <a:ext uri="{FF2B5EF4-FFF2-40B4-BE49-F238E27FC236}">
-                <a16:creationId xmlns:a16="http://schemas.microsoft.com/office/drawing/2014/main" xmlns="" id="{AC3A3EC1-2396-B943-9A2D-48335F761392}"/>
-              </a:ext>
-            </a:extLst>
-          </p:cNvPr>
-          <p:cNvSpPr/>
-          <p:nvPr/>
-        </p:nvSpPr>
-        <p:spPr>
-          <a:xfrm>
-            <a:off x="5221054" y="4230015"/>
-            <a:ext cx="91440" cy="91440"/>
-          </a:xfrm>
-          <a:prstGeom prst="ellipse">
-            <a:avLst/>
-          </a:prstGeom>
-          <a:solidFill>
-            <a:srgbClr val="FFC000"/>
-          </a:solidFill>
-          <a:ln>
-            <a:solidFill>
-              <a:srgbClr val="FFC000"/>
-            </a:solidFill>
-          </a:ln>
-        </p:spPr>
-        <p:style>
-          <a:lnRef idx="2">
-            <a:schemeClr val="accent1">
-              <a:shade val="50000"/>
-            </a:schemeClr>
-          </a:lnRef>
-          <a:fillRef idx="1">
-            <a:schemeClr val="accent1"/>
-          </a:fillRef>
-          <a:effectRef idx="0">
-            <a:schemeClr val="accent1"/>
-          </a:effectRef>
-          <a:fontRef idx="minor">
-            <a:schemeClr val="lt1"/>
-          </a:fontRef>
-        </p:style>
-        <p:txBody>
-          <a:bodyPr rtlCol="0" anchor="ctr"/>
-          <a:lstStyle/>
-          <a:p>
-            <a:pPr algn="ctr"/>
-            <a:endParaRPr lang="en-US"/>
-          </a:p>
-        </p:txBody>
-      </p:sp>
-      <p:sp>
-        <p:nvSpPr>
-          <p:cNvPr id="27" name="Oval 26">
-            <a:extLst>
-              <a:ext uri="{FF2B5EF4-FFF2-40B4-BE49-F238E27FC236}">
-                <a16:creationId xmlns:a16="http://schemas.microsoft.com/office/drawing/2014/main" xmlns="" id="{D79BB1CE-39DB-BB49-A501-C6EFD2590B3E}"/>
-              </a:ext>
-            </a:extLst>
-          </p:cNvPr>
-          <p:cNvSpPr/>
-          <p:nvPr/>
-        </p:nvSpPr>
-        <p:spPr>
-          <a:xfrm>
-            <a:off x="1988552" y="4230015"/>
-            <a:ext cx="91440" cy="91440"/>
-          </a:xfrm>
-          <a:prstGeom prst="ellipse">
-            <a:avLst/>
-          </a:prstGeom>
-          <a:solidFill>
-            <a:srgbClr val="C00000"/>
-          </a:solidFill>
-          <a:ln>
-            <a:solidFill>
-              <a:srgbClr val="C00000"/>
-            </a:solidFill>
-          </a:ln>
-        </p:spPr>
-        <p:style>
-          <a:lnRef idx="2">
-            <a:schemeClr val="accent1">
-              <a:shade val="50000"/>
-            </a:schemeClr>
-          </a:lnRef>
-          <a:fillRef idx="1">
-            <a:schemeClr val="accent1"/>
-          </a:fillRef>
-          <a:effectRef idx="0">
-            <a:schemeClr val="accent1"/>
-          </a:effectRef>
-          <a:fontRef idx="minor">
-            <a:schemeClr val="lt1"/>
-          </a:fontRef>
-        </p:style>
-        <p:txBody>
-          <a:bodyPr rtlCol="0" anchor="ctr"/>
-          <a:lstStyle/>
-          <a:p>
-            <a:pPr algn="ctr"/>
-            <a:endParaRPr lang="en-US"/>
-          </a:p>
-        </p:txBody>
-      </p:sp>
-      <p:sp>
-        <p:nvSpPr>
-          <p:cNvPr id="28" name="Oval 27">
-            <a:extLst>
-              <a:ext uri="{FF2B5EF4-FFF2-40B4-BE49-F238E27FC236}">
-                <a16:creationId xmlns:a16="http://schemas.microsoft.com/office/drawing/2014/main" xmlns="" id="{D79BB1CE-39DB-BB49-A501-C6EFD2590B3E}"/>
-              </a:ext>
-            </a:extLst>
-          </p:cNvPr>
-          <p:cNvSpPr/>
-          <p:nvPr/>
-        </p:nvSpPr>
-        <p:spPr>
-          <a:xfrm>
-            <a:off x="8469693" y="4416552"/>
-            <a:ext cx="91440" cy="91440"/>
-          </a:xfrm>
-          <a:prstGeom prst="ellipse">
-            <a:avLst/>
-          </a:prstGeom>
-          <a:solidFill>
-            <a:srgbClr val="C00000"/>
-          </a:solidFill>
-          <a:ln>
-            <a:solidFill>
-              <a:srgbClr val="C00000"/>
-            </a:solidFill>
-          </a:ln>
-        </p:spPr>
-        <p:style>
-          <a:lnRef idx="2">
-            <a:schemeClr val="accent1">
-              <a:shade val="50000"/>
-            </a:schemeClr>
-          </a:lnRef>
-          <a:fillRef idx="1">
-            <a:schemeClr val="accent1"/>
-          </a:fillRef>
-          <a:effectRef idx="0">
-            <a:schemeClr val="accent1"/>
-          </a:effectRef>
-          <a:fontRef idx="minor">
-            <a:schemeClr val="lt1"/>
-          </a:fontRef>
-        </p:style>
-        <p:txBody>
-          <a:bodyPr rtlCol="0" anchor="ctr"/>
-          <a:lstStyle/>
-          <a:p>
-            <a:pPr algn="ctr"/>
-            <a:endParaRPr lang="en-US"/>
-          </a:p>
-        </p:txBody>
-      </p:sp>
-      <p:sp>
-        <p:nvSpPr>
-          <p:cNvPr id="29" name="Oval 28">
-            <a:extLst>
-              <a:ext uri="{FF2B5EF4-FFF2-40B4-BE49-F238E27FC236}">
-                <a16:creationId xmlns:a16="http://schemas.microsoft.com/office/drawing/2014/main" xmlns="" id="{D79BB1CE-39DB-BB49-A501-C6EFD2590B3E}"/>
-              </a:ext>
-            </a:extLst>
-          </p:cNvPr>
-          <p:cNvSpPr/>
-          <p:nvPr/>
-        </p:nvSpPr>
-        <p:spPr>
-          <a:xfrm>
-            <a:off x="5221054" y="4207414"/>
-            <a:ext cx="91440" cy="91440"/>
-          </a:xfrm>
-          <a:prstGeom prst="ellipse">
-            <a:avLst/>
-          </a:prstGeom>
-          <a:solidFill>
-            <a:srgbClr val="C00000"/>
-          </a:solidFill>
-          <a:ln>
-            <a:solidFill>
-              <a:srgbClr val="C00000"/>
-            </a:solidFill>
-          </a:ln>
-        </p:spPr>
-        <p:style>
-          <a:lnRef idx="2">
-            <a:schemeClr val="accent1">
-              <a:shade val="50000"/>
-            </a:schemeClr>
-          </a:lnRef>
-          <a:fillRef idx="1">
-            <a:schemeClr val="accent1"/>
-          </a:fillRef>
-          <a:effectRef idx="0">
-            <a:schemeClr val="accent1"/>
-          </a:effectRef>
-          <a:fontRef idx="minor">
-            <a:schemeClr val="lt1"/>
-          </a:fontRef>
-        </p:style>
-        <p:txBody>
-          <a:bodyPr rtlCol="0" anchor="ctr"/>
-          <a:lstStyle/>
-          <a:p>
-            <a:pPr algn="ctr"/>
-            <a:endParaRPr lang="en-US"/>
-          </a:p>
-        </p:txBody>
-      </p:sp>
-      <p:sp>
-        <p:nvSpPr>
-          <p:cNvPr id="30" name="Oval 29">
-            <a:extLst>
-              <a:ext uri="{FF2B5EF4-FFF2-40B4-BE49-F238E27FC236}">
-                <a16:creationId xmlns:a16="http://schemas.microsoft.com/office/drawing/2014/main" xmlns="" id="{AC3A3EC1-2396-B943-9A2D-48335F761392}"/>
-              </a:ext>
-            </a:extLst>
-          </p:cNvPr>
-          <p:cNvSpPr/>
-          <p:nvPr/>
-        </p:nvSpPr>
-        <p:spPr>
-          <a:xfrm>
-            <a:off x="8469693" y="4321455"/>
-            <a:ext cx="91440" cy="91440"/>
-          </a:xfrm>
-          <a:prstGeom prst="ellipse">
-            <a:avLst/>
-          </a:prstGeom>
-          <a:solidFill>
-            <a:srgbClr val="FFC000"/>
-          </a:solidFill>
-          <a:ln>
-            <a:solidFill>
-              <a:srgbClr val="FFC000"/>
-            </a:solidFill>
-          </a:ln>
-        </p:spPr>
-        <p:style>
-          <a:lnRef idx="2">
-            <a:schemeClr val="accent1">
-              <a:shade val="50000"/>
-            </a:schemeClr>
-          </a:lnRef>
-          <a:fillRef idx="1">
-            <a:schemeClr val="accent1"/>
-          </a:fillRef>
-          <a:effectRef idx="0">
-            <a:schemeClr val="accent1"/>
-          </a:effectRef>
-          <a:fontRef idx="minor">
-            <a:schemeClr val="lt1"/>
-          </a:fontRef>
-        </p:style>
-        <p:txBody>
-          <a:bodyPr rtlCol="0" anchor="ctr"/>
-          <a:lstStyle/>
-          <a:p>
-            <a:pPr algn="ctr"/>
-            <a:endParaRPr lang="en-US"/>
-          </a:p>
-        </p:txBody>
-      </p:sp>
-      <p:sp>
-        <p:nvSpPr>
-          <p:cNvPr id="31" name="Oval 30">
-            <a:extLst>
-              <a:ext uri="{FF2B5EF4-FFF2-40B4-BE49-F238E27FC236}">
-                <a16:creationId xmlns:a16="http://schemas.microsoft.com/office/drawing/2014/main" xmlns="" id="{AC3A3EC1-2396-B943-9A2D-48335F761392}"/>
-              </a:ext>
-            </a:extLst>
-          </p:cNvPr>
-          <p:cNvSpPr/>
-          <p:nvPr/>
-        </p:nvSpPr>
-        <p:spPr>
-          <a:xfrm>
-            <a:off x="1988552" y="4082688"/>
-            <a:ext cx="91440" cy="91440"/>
-          </a:xfrm>
-          <a:prstGeom prst="ellipse">
-            <a:avLst/>
-          </a:prstGeom>
-          <a:solidFill>
-            <a:srgbClr val="FFC000"/>
-          </a:solidFill>
-          <a:ln>
-            <a:solidFill>
-              <a:srgbClr val="FFC000"/>
-            </a:solidFill>
-          </a:ln>
-        </p:spPr>
-        <p:style>
-          <a:lnRef idx="2">
-            <a:schemeClr val="accent1">
-              <a:shade val="50000"/>
-            </a:schemeClr>
-          </a:lnRef>
-          <a:fillRef idx="1">
-            <a:schemeClr val="accent1"/>
-          </a:fillRef>
-          <a:effectRef idx="0">
-            <a:schemeClr val="accent1"/>
-          </a:effectRef>
-          <a:fontRef idx="minor">
-            <a:schemeClr val="lt1"/>
-          </a:fontRef>
-        </p:style>
-        <p:txBody>
-          <a:bodyPr rtlCol="0" anchor="ctr"/>
-          <a:lstStyle/>
-          <a:p>
-            <a:pPr algn="ctr"/>
-            <a:endParaRPr lang="en-US"/>
           </a:p>
         </p:txBody>
       </p:sp>
@@ -8597,8 +8254,8 @@
         </p:nvSpPr>
         <p:spPr>
           <a:xfrm>
-            <a:off x="335280" y="1943493"/>
-            <a:ext cx="9387840" cy="3368333"/>
+            <a:off x="335280" y="2206172"/>
+            <a:ext cx="9387840" cy="2811724"/>
           </a:xfrm>
           <a:prstGeom prst="rect">
             <a:avLst/>
@@ -8950,7 +8607,7 @@
         </p:nvSpPr>
         <p:spPr>
           <a:xfrm>
-            <a:off x="3085847" y="5323272"/>
+            <a:off x="3085847" y="5032988"/>
             <a:ext cx="3886705" cy="435825"/>
           </a:xfrm>
           <a:prstGeom prst="rect">
@@ -9013,15 +8670,15 @@
         </p:nvSpPr>
         <p:spPr>
           <a:xfrm>
-            <a:off x="335280" y="1943493"/>
-            <a:ext cx="9387840" cy="3368333"/>
+            <a:off x="335280" y="2206172"/>
+            <a:ext cx="9387840" cy="2811724"/>
           </a:xfrm>
         </p:spPr>
       </p:sp>
     </p:spTree>
     <p:extLst>
       <p:ext uri="{BB962C8B-B14F-4D97-AF65-F5344CB8AC3E}">
-        <p14:creationId xmlns:p14="http://schemas.microsoft.com/office/powerpoint/2010/main" val="9209527"/>
+        <p14:creationId xmlns:p14="http://schemas.microsoft.com/office/powerpoint/2010/main" val="2104982286"/>
       </p:ext>
     </p:extLst>
   </p:cSld>
@@ -9245,7 +8902,7 @@
       </p:sp>
       <p:sp>
         <p:nvSpPr>
-          <p:cNvPr id="12" name="Rectangle 11"/>
+          <p:cNvPr id="5" name="Rectangle 4"/>
           <p:cNvSpPr/>
           <p:nvPr/>
         </p:nvSpPr>
@@ -9390,14 +9047,14 @@
       </p:sp>
       <p:sp>
         <p:nvSpPr>
-          <p:cNvPr id="13" name="Rectangle 12"/>
+          <p:cNvPr id="6" name="Rectangle 5"/>
           <p:cNvSpPr/>
           <p:nvPr/>
         </p:nvSpPr>
         <p:spPr>
           <a:xfrm>
-            <a:off x="335280" y="1943493"/>
-            <a:ext cx="9387840" cy="3368333"/>
+            <a:off x="335280" y="2215292"/>
+            <a:ext cx="9387840" cy="2816353"/>
           </a:xfrm>
           <a:prstGeom prst="rect">
             <a:avLst/>
@@ -9458,30 +9115,13 @@
       </p:sp>
       <p:sp>
         <p:nvSpPr>
-          <p:cNvPr id="2" name="Picture Placeholder 1"/>
-          <p:cNvSpPr>
-            <a:spLocks noGrp="1"/>
-          </p:cNvSpPr>
-          <p:nvPr>
-            <p:ph type="pic" sz="quarter" idx="10"/>
-          </p:nvPr>
-        </p:nvSpPr>
-        <p:spPr>
-          <a:xfrm>
-            <a:off x="335280" y="1940000"/>
-            <a:ext cx="9387840" cy="3371826"/>
-          </a:xfrm>
-        </p:spPr>
-      </p:sp>
-      <p:sp>
-        <p:nvSpPr>
-          <p:cNvPr id="14" name="Rectangle 13"/>
+          <p:cNvPr id="7" name="Rectangle 6"/>
           <p:cNvSpPr/>
           <p:nvPr/>
         </p:nvSpPr>
         <p:spPr>
           <a:xfrm>
-            <a:off x="2833827" y="5303444"/>
+            <a:off x="2833827" y="5034933"/>
             <a:ext cx="4274632" cy="435825"/>
           </a:xfrm>
           <a:prstGeom prst="rect">
@@ -9546,24 +9186,30 @@
               </a:rPr>
               <a:t> (normalized z-statistic)</a:t>
             </a:r>
-            <a:endParaRPr lang="en-US" altLang="en-US" sz="2400" dirty="0">
-              <a:solidFill>
-                <a:schemeClr val="tx1">
-                  <a:lumMod val="75000"/>
-                  <a:lumOff val="25000"/>
-                </a:schemeClr>
-              </a:solidFill>
-              <a:latin typeface="Avenir Book" charset="0"/>
-              <a:ea typeface="Avenir Book" charset="0"/>
-              <a:cs typeface="Avenir Book" charset="0"/>
-            </a:endParaRPr>
-          </a:p>
-        </p:txBody>
+          </a:p>
+        </p:txBody>
+      </p:sp>
+      <p:sp>
+        <p:nvSpPr>
+          <p:cNvPr id="2" name="Picture Placeholder 1"/>
+          <p:cNvSpPr>
+            <a:spLocks noGrp="1"/>
+          </p:cNvSpPr>
+          <p:nvPr>
+            <p:ph type="pic" sz="quarter" idx="10"/>
+          </p:nvPr>
+        </p:nvSpPr>
+        <p:spPr>
+          <a:xfrm>
+            <a:off x="335280" y="2215292"/>
+            <a:ext cx="9387840" cy="2816353"/>
+          </a:xfrm>
+        </p:spPr>
       </p:sp>
     </p:spTree>
     <p:extLst>
       <p:ext uri="{BB962C8B-B14F-4D97-AF65-F5344CB8AC3E}">
-        <p14:creationId xmlns:p14="http://schemas.microsoft.com/office/powerpoint/2010/main" val="703251063"/>
+        <p14:creationId xmlns:p14="http://schemas.microsoft.com/office/powerpoint/2010/main" val="673821721"/>
       </p:ext>
     </p:extLst>
   </p:cSld>
@@ -9598,8 +9244,8 @@
         </p:nvSpPr>
         <p:spPr>
           <a:xfrm>
-            <a:off x="335280" y="1943493"/>
-            <a:ext cx="9387840" cy="3368333"/>
+            <a:off x="335280" y="2219484"/>
+            <a:ext cx="9387840" cy="2816352"/>
           </a:xfrm>
           <a:prstGeom prst="rect">
             <a:avLst/>
@@ -9945,30 +9591,13 @@
       </p:sp>
       <p:sp>
         <p:nvSpPr>
-          <p:cNvPr id="2" name="Picture Placeholder 1"/>
-          <p:cNvSpPr>
-            <a:spLocks noGrp="1"/>
-          </p:cNvSpPr>
-          <p:nvPr>
-            <p:ph type="pic" sz="quarter" idx="10"/>
-          </p:nvPr>
-        </p:nvSpPr>
-        <p:spPr>
-          <a:xfrm>
-            <a:off x="335280" y="1943494"/>
-            <a:ext cx="9387840" cy="3362850"/>
-          </a:xfrm>
-        </p:spPr>
-      </p:sp>
-      <p:sp>
-        <p:nvSpPr>
-          <p:cNvPr id="17" name="Rectangle 16"/>
+          <p:cNvPr id="7" name="Rectangle 6"/>
           <p:cNvSpPr/>
           <p:nvPr/>
         </p:nvSpPr>
         <p:spPr>
           <a:xfrm>
-            <a:off x="3625175" y="5329882"/>
+            <a:off x="3625175" y="5054114"/>
             <a:ext cx="2662908" cy="435825"/>
           </a:xfrm>
           <a:prstGeom prst="rect">
@@ -10033,24 +9662,30 @@
               </a:rPr>
               <a:t> (seconds)</a:t>
             </a:r>
-            <a:endParaRPr lang="en-US" altLang="en-US" sz="2400" dirty="0">
-              <a:solidFill>
-                <a:schemeClr val="tx1">
-                  <a:lumMod val="75000"/>
-                  <a:lumOff val="25000"/>
-                </a:schemeClr>
-              </a:solidFill>
-              <a:latin typeface="Avenir Book" charset="0"/>
-              <a:ea typeface="Avenir Book" charset="0"/>
-              <a:cs typeface="Avenir Book" charset="0"/>
-            </a:endParaRPr>
-          </a:p>
-        </p:txBody>
+          </a:p>
+        </p:txBody>
+      </p:sp>
+      <p:sp>
+        <p:nvSpPr>
+          <p:cNvPr id="2" name="Picture Placeholder 1"/>
+          <p:cNvSpPr>
+            <a:spLocks noGrp="1"/>
+          </p:cNvSpPr>
+          <p:nvPr>
+            <p:ph type="pic" sz="quarter" idx="10"/>
+          </p:nvPr>
+        </p:nvSpPr>
+        <p:spPr>
+          <a:xfrm>
+            <a:off x="335280" y="2219484"/>
+            <a:ext cx="9387840" cy="2816352"/>
+          </a:xfrm>
+        </p:spPr>
       </p:sp>
     </p:spTree>
     <p:extLst>
       <p:ext uri="{BB962C8B-B14F-4D97-AF65-F5344CB8AC3E}">
-        <p14:creationId xmlns:p14="http://schemas.microsoft.com/office/powerpoint/2010/main" val="2121970856"/>
+        <p14:creationId xmlns:p14="http://schemas.microsoft.com/office/powerpoint/2010/main" val="1284660767"/>
       </p:ext>
     </p:extLst>
   </p:cSld>
@@ -11060,330 +10695,6 @@
               </a:rPr>
               <a:t>Left</a:t>
             </a:r>
-          </a:p>
-        </p:txBody>
-      </p:sp>
-      <p:sp>
-        <p:nvSpPr>
-          <p:cNvPr id="19" name="Oval 18">
-            <a:extLst>
-              <a:ext uri="{FF2B5EF4-FFF2-40B4-BE49-F238E27FC236}">
-                <a16:creationId xmlns:a16="http://schemas.microsoft.com/office/drawing/2014/main" xmlns="" id="{AC3A3EC1-2396-B943-9A2D-48335F761392}"/>
-              </a:ext>
-            </a:extLst>
-          </p:cNvPr>
-          <p:cNvSpPr/>
-          <p:nvPr/>
-        </p:nvSpPr>
-        <p:spPr>
-          <a:xfrm>
-            <a:off x="5192879" y="2446578"/>
-            <a:ext cx="91440" cy="91440"/>
-          </a:xfrm>
-          <a:prstGeom prst="ellipse">
-            <a:avLst/>
-          </a:prstGeom>
-          <a:solidFill>
-            <a:srgbClr val="FFC000"/>
-          </a:solidFill>
-          <a:ln>
-            <a:solidFill>
-              <a:srgbClr val="FFC000"/>
-            </a:solidFill>
-          </a:ln>
-        </p:spPr>
-        <p:style>
-          <a:lnRef idx="2">
-            <a:schemeClr val="accent1">
-              <a:shade val="50000"/>
-            </a:schemeClr>
-          </a:lnRef>
-          <a:fillRef idx="1">
-            <a:schemeClr val="accent1"/>
-          </a:fillRef>
-          <a:effectRef idx="0">
-            <a:schemeClr val="accent1"/>
-          </a:effectRef>
-          <a:fontRef idx="minor">
-            <a:schemeClr val="lt1"/>
-          </a:fontRef>
-        </p:style>
-        <p:txBody>
-          <a:bodyPr rtlCol="0" anchor="ctr"/>
-          <a:lstStyle/>
-          <a:p>
-            <a:pPr algn="ctr"/>
-            <a:endParaRPr lang="en-US"/>
-          </a:p>
-        </p:txBody>
-      </p:sp>
-      <p:sp>
-        <p:nvSpPr>
-          <p:cNvPr id="26" name="Oval 25">
-            <a:extLst>
-              <a:ext uri="{FF2B5EF4-FFF2-40B4-BE49-F238E27FC236}">
-                <a16:creationId xmlns:a16="http://schemas.microsoft.com/office/drawing/2014/main" xmlns="" id="{D79BB1CE-39DB-BB49-A501-C6EFD2590B3E}"/>
-              </a:ext>
-            </a:extLst>
-          </p:cNvPr>
-          <p:cNvSpPr/>
-          <p:nvPr/>
-        </p:nvSpPr>
-        <p:spPr>
-          <a:xfrm>
-            <a:off x="5192879" y="2780773"/>
-            <a:ext cx="91440" cy="91440"/>
-          </a:xfrm>
-          <a:prstGeom prst="ellipse">
-            <a:avLst/>
-          </a:prstGeom>
-          <a:solidFill>
-            <a:srgbClr val="C00000"/>
-          </a:solidFill>
-          <a:ln>
-            <a:solidFill>
-              <a:srgbClr val="C00000"/>
-            </a:solidFill>
-          </a:ln>
-        </p:spPr>
-        <p:style>
-          <a:lnRef idx="2">
-            <a:schemeClr val="accent1">
-              <a:shade val="50000"/>
-            </a:schemeClr>
-          </a:lnRef>
-          <a:fillRef idx="1">
-            <a:schemeClr val="accent1"/>
-          </a:fillRef>
-          <a:effectRef idx="0">
-            <a:schemeClr val="accent1"/>
-          </a:effectRef>
-          <a:fontRef idx="minor">
-            <a:schemeClr val="lt1"/>
-          </a:fontRef>
-        </p:style>
-        <p:txBody>
-          <a:bodyPr rtlCol="0" anchor="ctr"/>
-          <a:lstStyle/>
-          <a:p>
-            <a:pPr algn="ctr"/>
-            <a:endParaRPr lang="en-US"/>
-          </a:p>
-        </p:txBody>
-      </p:sp>
-      <p:sp>
-        <p:nvSpPr>
-          <p:cNvPr id="27" name="Oval 26">
-            <a:extLst>
-              <a:ext uri="{FF2B5EF4-FFF2-40B4-BE49-F238E27FC236}">
-                <a16:creationId xmlns:a16="http://schemas.microsoft.com/office/drawing/2014/main" xmlns="" id="{AC3A3EC1-2396-B943-9A2D-48335F761392}"/>
-              </a:ext>
-            </a:extLst>
-          </p:cNvPr>
-          <p:cNvSpPr/>
-          <p:nvPr/>
-        </p:nvSpPr>
-        <p:spPr>
-          <a:xfrm>
-            <a:off x="1570747" y="2580927"/>
-            <a:ext cx="91440" cy="91440"/>
-          </a:xfrm>
-          <a:prstGeom prst="ellipse">
-            <a:avLst/>
-          </a:prstGeom>
-          <a:solidFill>
-            <a:srgbClr val="FFC000"/>
-          </a:solidFill>
-          <a:ln>
-            <a:solidFill>
-              <a:srgbClr val="FFC000"/>
-            </a:solidFill>
-          </a:ln>
-        </p:spPr>
-        <p:style>
-          <a:lnRef idx="2">
-            <a:schemeClr val="accent1">
-              <a:shade val="50000"/>
-            </a:schemeClr>
-          </a:lnRef>
-          <a:fillRef idx="1">
-            <a:schemeClr val="accent1"/>
-          </a:fillRef>
-          <a:effectRef idx="0">
-            <a:schemeClr val="accent1"/>
-          </a:effectRef>
-          <a:fontRef idx="minor">
-            <a:schemeClr val="lt1"/>
-          </a:fontRef>
-        </p:style>
-        <p:txBody>
-          <a:bodyPr rtlCol="0" anchor="ctr"/>
-          <a:lstStyle/>
-          <a:p>
-            <a:pPr algn="ctr"/>
-            <a:endParaRPr lang="en-US"/>
-          </a:p>
-        </p:txBody>
-      </p:sp>
-      <p:sp>
-        <p:nvSpPr>
-          <p:cNvPr id="28" name="Oval 27">
-            <a:extLst>
-              <a:ext uri="{FF2B5EF4-FFF2-40B4-BE49-F238E27FC236}">
-                <a16:creationId xmlns:a16="http://schemas.microsoft.com/office/drawing/2014/main" xmlns="" id="{D79BB1CE-39DB-BB49-A501-C6EFD2590B3E}"/>
-              </a:ext>
-            </a:extLst>
-          </p:cNvPr>
-          <p:cNvSpPr/>
-          <p:nvPr/>
-        </p:nvSpPr>
-        <p:spPr>
-          <a:xfrm>
-            <a:off x="1570747" y="2598421"/>
-            <a:ext cx="91440" cy="91440"/>
-          </a:xfrm>
-          <a:prstGeom prst="ellipse">
-            <a:avLst/>
-          </a:prstGeom>
-          <a:solidFill>
-            <a:srgbClr val="C00000"/>
-          </a:solidFill>
-          <a:ln>
-            <a:solidFill>
-              <a:srgbClr val="C00000"/>
-            </a:solidFill>
-          </a:ln>
-        </p:spPr>
-        <p:style>
-          <a:lnRef idx="2">
-            <a:schemeClr val="accent1">
-              <a:shade val="50000"/>
-            </a:schemeClr>
-          </a:lnRef>
-          <a:fillRef idx="1">
-            <a:schemeClr val="accent1"/>
-          </a:fillRef>
-          <a:effectRef idx="0">
-            <a:schemeClr val="accent1"/>
-          </a:effectRef>
-          <a:fontRef idx="minor">
-            <a:schemeClr val="lt1"/>
-          </a:fontRef>
-        </p:style>
-        <p:txBody>
-          <a:bodyPr rtlCol="0" anchor="ctr"/>
-          <a:lstStyle/>
-          <a:p>
-            <a:pPr algn="ctr"/>
-            <a:endParaRPr lang="en-US"/>
-          </a:p>
-        </p:txBody>
-      </p:sp>
-      <p:sp>
-        <p:nvSpPr>
-          <p:cNvPr id="29" name="Oval 28">
-            <a:extLst>
-              <a:ext uri="{FF2B5EF4-FFF2-40B4-BE49-F238E27FC236}">
-                <a16:creationId xmlns:a16="http://schemas.microsoft.com/office/drawing/2014/main" xmlns="" id="{AC3A3EC1-2396-B943-9A2D-48335F761392}"/>
-              </a:ext>
-            </a:extLst>
-          </p:cNvPr>
-          <p:cNvSpPr/>
-          <p:nvPr/>
-        </p:nvSpPr>
-        <p:spPr>
-          <a:xfrm>
-            <a:off x="8432127" y="2916597"/>
-            <a:ext cx="91440" cy="91440"/>
-          </a:xfrm>
-          <a:prstGeom prst="ellipse">
-            <a:avLst/>
-          </a:prstGeom>
-          <a:solidFill>
-            <a:srgbClr val="FFC000"/>
-          </a:solidFill>
-          <a:ln>
-            <a:solidFill>
-              <a:srgbClr val="FFC000"/>
-            </a:solidFill>
-          </a:ln>
-        </p:spPr>
-        <p:style>
-          <a:lnRef idx="2">
-            <a:schemeClr val="accent1">
-              <a:shade val="50000"/>
-            </a:schemeClr>
-          </a:lnRef>
-          <a:fillRef idx="1">
-            <a:schemeClr val="accent1"/>
-          </a:fillRef>
-          <a:effectRef idx="0">
-            <a:schemeClr val="accent1"/>
-          </a:effectRef>
-          <a:fontRef idx="minor">
-            <a:schemeClr val="lt1"/>
-          </a:fontRef>
-        </p:style>
-        <p:txBody>
-          <a:bodyPr rtlCol="0" anchor="ctr"/>
-          <a:lstStyle/>
-          <a:p>
-            <a:pPr algn="ctr"/>
-            <a:endParaRPr lang="en-US"/>
-          </a:p>
-        </p:txBody>
-      </p:sp>
-      <p:sp>
-        <p:nvSpPr>
-          <p:cNvPr id="30" name="Oval 29">
-            <a:extLst>
-              <a:ext uri="{FF2B5EF4-FFF2-40B4-BE49-F238E27FC236}">
-                <a16:creationId xmlns:a16="http://schemas.microsoft.com/office/drawing/2014/main" xmlns="" id="{D79BB1CE-39DB-BB49-A501-C6EFD2590B3E}"/>
-              </a:ext>
-            </a:extLst>
-          </p:cNvPr>
-          <p:cNvSpPr/>
-          <p:nvPr/>
-        </p:nvSpPr>
-        <p:spPr>
-          <a:xfrm>
-            <a:off x="8432127" y="3143160"/>
-            <a:ext cx="91440" cy="91440"/>
-          </a:xfrm>
-          <a:prstGeom prst="ellipse">
-            <a:avLst/>
-          </a:prstGeom>
-          <a:solidFill>
-            <a:srgbClr val="C00000"/>
-          </a:solidFill>
-          <a:ln>
-            <a:solidFill>
-              <a:srgbClr val="C00000"/>
-            </a:solidFill>
-          </a:ln>
-        </p:spPr>
-        <p:style>
-          <a:lnRef idx="2">
-            <a:schemeClr val="accent1">
-              <a:shade val="50000"/>
-            </a:schemeClr>
-          </a:lnRef>
-          <a:fillRef idx="1">
-            <a:schemeClr val="accent1"/>
-          </a:fillRef>
-          <a:effectRef idx="0">
-            <a:schemeClr val="accent1"/>
-          </a:effectRef>
-          <a:fontRef idx="minor">
-            <a:schemeClr val="lt1"/>
-          </a:fontRef>
-        </p:style>
-        <p:txBody>
-          <a:bodyPr rtlCol="0" anchor="ctr"/>
-          <a:lstStyle/>
-          <a:p>
-            <a:pPr algn="ctr"/>
-            <a:endParaRPr lang="en-US"/>
           </a:p>
         </p:txBody>
       </p:sp>

--- a/bin/TEMPLATE_BOLD_PLACEHOLDERS.pptx
+++ b/bin/TEMPLATE_BOLD_PLACEHOLDERS.pptx
@@ -218,7 +218,7 @@
           <a:p>
             <a:fld id="{2E9DB196-4E5B-B64B-848D-69F7B54B86BB}" type="datetimeFigureOut">
               <a:rPr lang="en-US" smtClean="0"/>
-              <a:t>8/4/20</a:t>
+              <a:t>8/5/20</a:t>
             </a:fld>
             <a:endParaRPr lang="en-US"/>
           </a:p>
@@ -825,7 +825,7 @@
           <a:p>
             <a:fld id="{AFCB438B-53EA-094D-A45F-391681BE2E8A}" type="datetimeFigureOut">
               <a:rPr lang="en-US" smtClean="0"/>
-              <a:t>8/4/20</a:t>
+              <a:t>8/5/20</a:t>
             </a:fld>
             <a:endParaRPr lang="en-US"/>
           </a:p>
@@ -990,7 +990,7 @@
           <a:p>
             <a:fld id="{AFCB438B-53EA-094D-A45F-391681BE2E8A}" type="datetimeFigureOut">
               <a:rPr lang="en-US" smtClean="0"/>
-              <a:t>8/4/20</a:t>
+              <a:t>8/5/20</a:t>
             </a:fld>
             <a:endParaRPr lang="en-US"/>
           </a:p>
@@ -1165,7 +1165,7 @@
           <a:p>
             <a:fld id="{AFCB438B-53EA-094D-A45F-391681BE2E8A}" type="datetimeFigureOut">
               <a:rPr lang="en-US" smtClean="0"/>
-              <a:t>8/4/20</a:t>
+              <a:t>8/5/20</a:t>
             </a:fld>
             <a:endParaRPr lang="en-US"/>
           </a:p>
@@ -1384,7 +1384,7 @@
           <a:p>
             <a:fld id="{AFCB438B-53EA-094D-A45F-391681BE2E8A}" type="datetimeFigureOut">
               <a:rPr lang="en-US" smtClean="0"/>
-              <a:t>8/4/20</a:t>
+              <a:t>8/5/20</a:t>
             </a:fld>
             <a:endParaRPr lang="en-US"/>
           </a:p>
@@ -1623,7 +1623,7 @@
           <a:p>
             <a:fld id="{AFCB438B-53EA-094D-A45F-391681BE2E8A}" type="datetimeFigureOut">
               <a:rPr lang="en-US" smtClean="0"/>
-              <a:t>8/4/20</a:t>
+              <a:t>8/5/20</a:t>
             </a:fld>
             <a:endParaRPr lang="en-US"/>
           </a:p>
@@ -1850,7 +1850,7 @@
           <a:p>
             <a:fld id="{AFCB438B-53EA-094D-A45F-391681BE2E8A}" type="datetimeFigureOut">
               <a:rPr lang="en-US" smtClean="0"/>
-              <a:t>8/4/20</a:t>
+              <a:t>8/5/20</a:t>
             </a:fld>
             <a:endParaRPr lang="en-US"/>
           </a:p>
@@ -2212,7 +2212,7 @@
           <a:p>
             <a:fld id="{AFCB438B-53EA-094D-A45F-391681BE2E8A}" type="datetimeFigureOut">
               <a:rPr lang="en-US" smtClean="0"/>
-              <a:t>8/4/20</a:t>
+              <a:t>8/5/20</a:t>
             </a:fld>
             <a:endParaRPr lang="en-US"/>
           </a:p>
@@ -2325,7 +2325,7 @@
           <a:p>
             <a:fld id="{AFCB438B-53EA-094D-A45F-391681BE2E8A}" type="datetimeFigureOut">
               <a:rPr lang="en-US" smtClean="0"/>
-              <a:t>8/4/20</a:t>
+              <a:t>8/5/20</a:t>
             </a:fld>
             <a:endParaRPr lang="en-US"/>
           </a:p>
@@ -2415,7 +2415,7 @@
           <a:p>
             <a:fld id="{AFCB438B-53EA-094D-A45F-391681BE2E8A}" type="datetimeFigureOut">
               <a:rPr lang="en-US" smtClean="0"/>
-              <a:t>8/4/20</a:t>
+              <a:t>8/5/20</a:t>
             </a:fld>
             <a:endParaRPr lang="en-US"/>
           </a:p>
@@ -2687,7 +2687,7 @@
           <a:p>
             <a:fld id="{AFCB438B-53EA-094D-A45F-391681BE2E8A}" type="datetimeFigureOut">
               <a:rPr lang="en-US" smtClean="0"/>
-              <a:t>8/4/20</a:t>
+              <a:t>8/5/20</a:t>
             </a:fld>
             <a:endParaRPr lang="en-US"/>
           </a:p>
@@ -2939,7 +2939,7 @@
           <a:p>
             <a:fld id="{AFCB438B-53EA-094D-A45F-391681BE2E8A}" type="datetimeFigureOut">
               <a:rPr lang="en-US" smtClean="0"/>
-              <a:t>8/4/20</a:t>
+              <a:t>8/5/20</a:t>
             </a:fld>
             <a:endParaRPr lang="en-US"/>
           </a:p>
@@ -3147,7 +3147,7 @@
           <a:p>
             <a:fld id="{AFCB438B-53EA-094D-A45F-391681BE2E8A}" type="datetimeFigureOut">
               <a:rPr lang="en-US" smtClean="0"/>
-              <a:t>8/4/20</a:t>
+              <a:t>8/5/20</a:t>
             </a:fld>
             <a:endParaRPr lang="en-US"/>
           </a:p>
@@ -3724,8 +3724,8 @@
         </p:nvSpPr>
         <p:spPr>
           <a:xfrm>
-            <a:off x="335280" y="2303793"/>
-            <a:ext cx="9387840" cy="2572499"/>
+            <a:off x="2577619" y="2155517"/>
+            <a:ext cx="1651000" cy="3000821"/>
           </a:xfrm>
           <a:prstGeom prst="rect">
             <a:avLst/>
@@ -3742,7 +3742,7 @@
           </a:bodyPr>
           <a:lstStyle/>
           <a:p>
-            <a:pPr algn="ctr">
+            <a:pPr algn="r">
               <a:spcAft>
                 <a:spcPts val="660"/>
               </a:spcAft>
@@ -3756,24 +3756,22 @@
                 <a:ea typeface="Avenir Book" charset="0"/>
                 <a:cs typeface="Avenir Book" charset="0"/>
               </a:rPr>
-              <a:t>Scan date: </a:t>
+              <a:t>Scan </a:t>
             </a:r>
             <a:r>
               <a:rPr lang="en-US" sz="2200" b="1" dirty="0" smtClean="0">
                 <a:solidFill>
-                  <a:schemeClr val="bg1">
-                    <a:lumMod val="50000"/>
-                  </a:schemeClr>
-                </a:solidFill>
-                <a:latin typeface="Avenir Book" charset="0"/>
-                <a:ea typeface="Avenir Book" charset="0"/>
-                <a:cs typeface="Avenir Book" charset="0"/>
-              </a:rPr>
-              <a:t>##/##/###</a:t>
-            </a:r>
-          </a:p>
-          <a:p>
-            <a:pPr algn="ctr">
+                  <a:srgbClr val="0070C0"/>
+                </a:solidFill>
+                <a:latin typeface="Avenir Book" charset="0"/>
+                <a:ea typeface="Avenir Book" charset="0"/>
+                <a:cs typeface="Avenir Book" charset="0"/>
+              </a:rPr>
+              <a:t>date:</a:t>
+            </a:r>
+          </a:p>
+          <a:p>
+            <a:pPr algn="r">
               <a:spcAft>
                 <a:spcPts val="660"/>
               </a:spcAft>
@@ -3790,7 +3788,7 @@
               <a:t>DOB</a:t>
             </a:r>
             <a:r>
-              <a:rPr lang="en-US" sz="2200" b="1" dirty="0">
+              <a:rPr lang="en-US" sz="2200" b="1" dirty="0" smtClean="0">
                 <a:solidFill>
                   <a:srgbClr val="0070C0"/>
                 </a:solidFill>
@@ -3798,55 +3796,107 @@
                 <a:ea typeface="Avenir Book" charset="0"/>
                 <a:cs typeface="Avenir Book" charset="0"/>
               </a:rPr>
-              <a:t>: </a:t>
-            </a:r>
-            <a:r>
-              <a:rPr lang="en-US" sz="2200" b="1" dirty="0" smtClean="0">
-                <a:solidFill>
-                  <a:schemeClr val="bg1">
-                    <a:lumMod val="50000"/>
-                  </a:schemeClr>
-                </a:solidFill>
-                <a:latin typeface="Avenir Book" charset="0"/>
-                <a:ea typeface="Avenir Book" charset="0"/>
-                <a:cs typeface="Avenir Book" charset="0"/>
-              </a:rPr>
-              <a:t>##/##/#### (## </a:t>
-            </a:r>
-            <a:r>
-              <a:rPr lang="en-US" sz="2200" b="1" dirty="0" err="1">
-                <a:solidFill>
-                  <a:schemeClr val="bg1">
-                    <a:lumMod val="50000"/>
-                  </a:schemeClr>
-                </a:solidFill>
-                <a:latin typeface="Avenir Book" charset="0"/>
-                <a:ea typeface="Avenir Book" charset="0"/>
-                <a:cs typeface="Avenir Book" charset="0"/>
-              </a:rPr>
-              <a:t>y.o</a:t>
-            </a:r>
-            <a:r>
-              <a:rPr lang="en-US" sz="2200" b="1" dirty="0">
-                <a:solidFill>
-                  <a:schemeClr val="bg1">
-                    <a:lumMod val="50000"/>
-                  </a:schemeClr>
-                </a:solidFill>
-                <a:latin typeface="Avenir Book" charset="0"/>
-                <a:ea typeface="Avenir Book" charset="0"/>
-                <a:cs typeface="Avenir Book" charset="0"/>
-              </a:rPr>
-              <a:t>.)</a:t>
-            </a:r>
-          </a:p>
-          <a:p>
-            <a:pPr algn="ctr">
+              <a:t>:</a:t>
+            </a:r>
+          </a:p>
+          <a:p>
+            <a:pPr algn="r">
               <a:spcAft>
                 <a:spcPts val="660"/>
               </a:spcAft>
             </a:pPr>
             <a:r>
+              <a:rPr lang="en-US" sz="2200" b="1" dirty="0" smtClean="0">
+                <a:solidFill>
+                  <a:srgbClr val="0070C0"/>
+                </a:solidFill>
+                <a:latin typeface="Avenir Book" charset="0"/>
+                <a:ea typeface="Avenir Book" charset="0"/>
+                <a:cs typeface="Avenir Book" charset="0"/>
+              </a:rPr>
+              <a:t>Age:</a:t>
+            </a:r>
+            <a:endParaRPr lang="en-US" sz="2200" b="1" dirty="0" smtClean="0">
+              <a:solidFill>
+                <a:srgbClr val="0070C0"/>
+              </a:solidFill>
+              <a:latin typeface="Avenir Book" charset="0"/>
+              <a:ea typeface="Avenir Book" charset="0"/>
+              <a:cs typeface="Avenir Book" charset="0"/>
+            </a:endParaRPr>
+          </a:p>
+          <a:p>
+            <a:pPr algn="r">
+              <a:spcAft>
+                <a:spcPts val="660"/>
+              </a:spcAft>
+            </a:pPr>
+            <a:r>
+              <a:rPr lang="en-US" sz="2200" b="1" dirty="0" smtClean="0">
+                <a:solidFill>
+                  <a:srgbClr val="0070C0"/>
+                </a:solidFill>
+                <a:latin typeface="Avenir Book" charset="0"/>
+                <a:ea typeface="Avenir Book" charset="0"/>
+                <a:cs typeface="Avenir Book" charset="0"/>
+              </a:rPr>
+              <a:t>MRN:</a:t>
+            </a:r>
+          </a:p>
+          <a:p>
+            <a:pPr algn="r">
+              <a:spcAft>
+                <a:spcPts val="660"/>
+              </a:spcAft>
+            </a:pPr>
+            <a:r>
+              <a:rPr lang="en-US" sz="2200" b="1" dirty="0" smtClean="0">
+                <a:solidFill>
+                  <a:srgbClr val="0070C0"/>
+                </a:solidFill>
+                <a:latin typeface="Avenir Book" charset="0"/>
+                <a:ea typeface="Avenir Book" charset="0"/>
+                <a:cs typeface="Avenir Book" charset="0"/>
+              </a:rPr>
+              <a:t>Sex:</a:t>
+            </a:r>
+          </a:p>
+          <a:p>
+            <a:pPr algn="r">
+              <a:spcAft>
+                <a:spcPts val="660"/>
+              </a:spcAft>
+            </a:pPr>
+            <a:r>
+              <a:rPr lang="en-US" sz="2200" b="1" dirty="0" smtClean="0">
+                <a:solidFill>
+                  <a:srgbClr val="0070C0"/>
+                </a:solidFill>
+                <a:latin typeface="Avenir Book" charset="0"/>
+                <a:ea typeface="Avenir Book" charset="0"/>
+                <a:cs typeface="Avenir Book" charset="0"/>
+              </a:rPr>
+              <a:t>Scan:</a:t>
+            </a:r>
+          </a:p>
+          <a:p>
+            <a:pPr algn="r">
+              <a:spcAft>
+                <a:spcPts val="660"/>
+              </a:spcAft>
+            </a:pPr>
+            <a:r>
+              <a:rPr lang="en-US" sz="2200" b="1" dirty="0" smtClean="0">
+                <a:solidFill>
+                  <a:srgbClr val="0070C0"/>
+                </a:solidFill>
+                <a:latin typeface="Avenir Book" charset="0"/>
+                <a:ea typeface="Avenir Book" charset="0"/>
+                <a:cs typeface="Avenir Book" charset="0"/>
+              </a:rPr>
+              <a:t>Condition</a:t>
+            </a:r>
+            <a:r>
               <a:rPr lang="en-US" sz="2200" b="1" dirty="0">
                 <a:solidFill>
                   <a:srgbClr val="0070C0"/>
@@ -3855,20 +3905,7 @@
                 <a:ea typeface="Avenir Book" charset="0"/>
                 <a:cs typeface="Avenir Book" charset="0"/>
               </a:rPr>
-              <a:t>MRN:  </a:t>
-            </a:r>
-            <a:r>
-              <a:rPr lang="en-US" sz="2200" b="1" dirty="0" smtClean="0">
-                <a:solidFill>
-                  <a:schemeClr val="bg1">
-                    <a:lumMod val="50000"/>
-                  </a:schemeClr>
-                </a:solidFill>
-                <a:latin typeface="Avenir Book" charset="0"/>
-                <a:ea typeface="Avenir Book" charset="0"/>
-                <a:cs typeface="Avenir Book" charset="0"/>
-              </a:rPr>
-              <a:t>##########</a:t>
+              <a:t>:</a:t>
             </a:r>
             <a:endParaRPr lang="en-US" sz="2200" b="1" dirty="0">
               <a:solidFill>
@@ -3881,27 +3918,43 @@
               <a:cs typeface="Avenir Book" charset="0"/>
             </a:endParaRPr>
           </a:p>
-          <a:p>
-            <a:pPr algn="ctr">
+        </p:txBody>
+      </p:sp>
+      <p:sp>
+        <p:nvSpPr>
+          <p:cNvPr id="11" name="TextBox 10"/>
+          <p:cNvSpPr txBox="1"/>
+          <p:nvPr/>
+        </p:nvSpPr>
+        <p:spPr>
+          <a:xfrm>
+            <a:off x="4305918" y="2155517"/>
+            <a:ext cx="3223469" cy="431978"/>
+          </a:xfrm>
+          <a:prstGeom prst="rect">
+            <a:avLst/>
+          </a:prstGeom>
+          <a:solidFill>
+            <a:schemeClr val="bg1">
+              <a:lumMod val="95000"/>
+            </a:schemeClr>
+          </a:solidFill>
+        </p:spPr>
+        <p:txBody>
+          <a:bodyPr wrap="square" rtlCol="0">
+            <a:spAutoFit/>
+          </a:bodyPr>
+          <a:lstStyle/>
+          <a:p>
+            <a:pPr>
               <a:spcAft>
                 <a:spcPts val="660"/>
               </a:spcAft>
             </a:pPr>
             <a:r>
-              <a:rPr lang="en-US" sz="2200" b="1" dirty="0" smtClean="0">
-                <a:solidFill>
-                  <a:srgbClr val="0070C0"/>
-                </a:solidFill>
-                <a:latin typeface="Avenir Book" charset="0"/>
-                <a:ea typeface="Avenir Book" charset="0"/>
-                <a:cs typeface="Avenir Book" charset="0"/>
-              </a:rPr>
-              <a:t>Sex: </a:t>
-            </a:r>
-            <a:r>
-              <a:rPr lang="en-US" sz="2200" b="1" dirty="0" smtClean="0">
-                <a:solidFill>
-                  <a:schemeClr val="bg1">
+              <a:rPr lang="en-US" sz="2207" b="1" dirty="0" err="1" smtClean="0">
+                <a:solidFill>
+                  <a:schemeClr val="bg2">
                     <a:lumMod val="50000"/>
                   </a:schemeClr>
                 </a:solidFill>
@@ -3909,11 +3962,11 @@
                 <a:ea typeface="Avenir Book" charset="0"/>
                 <a:cs typeface="Avenir Book" charset="0"/>
               </a:rPr>
-              <a:t>Male/Female</a:t>
-            </a:r>
-            <a:endParaRPr lang="en-US" sz="2200" b="1" dirty="0">
+              <a:t>scan_dateYYYYmmdd</a:t>
+            </a:r>
+            <a:endParaRPr lang="en-US" sz="2207" b="1" dirty="0">
               <a:solidFill>
-                <a:schemeClr val="bg1">
+                <a:schemeClr val="bg2">
                   <a:lumMod val="50000"/>
                 </a:schemeClr>
               </a:solidFill>
@@ -3922,27 +3975,43 @@
               <a:cs typeface="Avenir Book" charset="0"/>
             </a:endParaRPr>
           </a:p>
-          <a:p>
-            <a:pPr algn="ctr">
+        </p:txBody>
+      </p:sp>
+      <p:sp>
+        <p:nvSpPr>
+          <p:cNvPr id="12" name="TextBox 11"/>
+          <p:cNvSpPr txBox="1"/>
+          <p:nvPr/>
+        </p:nvSpPr>
+        <p:spPr>
+          <a:xfrm>
+            <a:off x="4305918" y="4721737"/>
+            <a:ext cx="3223469" cy="431978"/>
+          </a:xfrm>
+          <a:prstGeom prst="rect">
+            <a:avLst/>
+          </a:prstGeom>
+          <a:solidFill>
+            <a:schemeClr val="bg1">
+              <a:lumMod val="95000"/>
+            </a:schemeClr>
+          </a:solidFill>
+        </p:spPr>
+        <p:txBody>
+          <a:bodyPr wrap="square" rtlCol="0">
+            <a:spAutoFit/>
+          </a:bodyPr>
+          <a:lstStyle/>
+          <a:p>
+            <a:pPr>
               <a:spcAft>
                 <a:spcPts val="660"/>
               </a:spcAft>
             </a:pPr>
             <a:r>
-              <a:rPr lang="en-US" sz="2200" b="1" dirty="0">
-                <a:solidFill>
-                  <a:srgbClr val="0070C0"/>
-                </a:solidFill>
-                <a:latin typeface="Avenir Book" charset="0"/>
-                <a:ea typeface="Avenir Book" charset="0"/>
-                <a:cs typeface="Avenir Book" charset="0"/>
-              </a:rPr>
-              <a:t>Scan: </a:t>
-            </a:r>
-            <a:r>
-              <a:rPr lang="en-US" sz="2200" b="1" dirty="0" smtClean="0">
-                <a:solidFill>
-                  <a:schemeClr val="bg1">
+              <a:rPr lang="en-US" sz="2207" b="1" dirty="0" err="1" smtClean="0">
+                <a:solidFill>
+                  <a:schemeClr val="bg2">
                     <a:lumMod val="50000"/>
                   </a:schemeClr>
                 </a:solidFill>
@@ -3950,30 +4019,82 @@
                 <a:ea typeface="Avenir Book" charset="0"/>
                 <a:cs typeface="Avenir Book" charset="0"/>
               </a:rPr>
-              <a:t>Clinical/Research</a:t>
-            </a:r>
-          </a:p>
-          <a:p>
-            <a:pPr algn="ctr">
+              <a:t>Athero</a:t>
+            </a:r>
+            <a:r>
+              <a:rPr lang="en-US" sz="2207" b="1" dirty="0" smtClean="0">
+                <a:solidFill>
+                  <a:schemeClr val="bg2">
+                    <a:lumMod val="50000"/>
+                  </a:schemeClr>
+                </a:solidFill>
+                <a:latin typeface="Avenir Book" charset="0"/>
+                <a:ea typeface="Avenir Book" charset="0"/>
+                <a:cs typeface="Avenir Book" charset="0"/>
+              </a:rPr>
+              <a:t>/</a:t>
+            </a:r>
+            <a:r>
+              <a:rPr lang="en-US" sz="2207" b="1" dirty="0" err="1" smtClean="0">
+                <a:solidFill>
+                  <a:schemeClr val="bg2">
+                    <a:lumMod val="50000"/>
+                  </a:schemeClr>
+                </a:solidFill>
+                <a:latin typeface="Avenir Book" charset="0"/>
+                <a:ea typeface="Avenir Book" charset="0"/>
+                <a:cs typeface="Avenir Book" charset="0"/>
+              </a:rPr>
+              <a:t>Moyamoya</a:t>
+            </a:r>
+            <a:endParaRPr lang="en-US" sz="2207" b="1" dirty="0">
+              <a:solidFill>
+                <a:schemeClr val="bg2">
+                  <a:lumMod val="50000"/>
+                </a:schemeClr>
+              </a:solidFill>
+              <a:latin typeface="Avenir Book" charset="0"/>
+              <a:ea typeface="Avenir Book" charset="0"/>
+              <a:cs typeface="Avenir Book" charset="0"/>
+            </a:endParaRPr>
+          </a:p>
+        </p:txBody>
+      </p:sp>
+      <p:sp>
+        <p:nvSpPr>
+          <p:cNvPr id="17" name="TextBox 16"/>
+          <p:cNvSpPr txBox="1"/>
+          <p:nvPr/>
+        </p:nvSpPr>
+        <p:spPr>
+          <a:xfrm>
+            <a:off x="4305918" y="4289759"/>
+            <a:ext cx="3223469" cy="431978"/>
+          </a:xfrm>
+          <a:prstGeom prst="rect">
+            <a:avLst/>
+          </a:prstGeom>
+          <a:solidFill>
+            <a:schemeClr val="bg1">
+              <a:lumMod val="95000"/>
+            </a:schemeClr>
+          </a:solidFill>
+        </p:spPr>
+        <p:txBody>
+          <a:bodyPr wrap="square" rtlCol="0">
+            <a:spAutoFit/>
+          </a:bodyPr>
+          <a:lstStyle/>
+          <a:p>
+            <a:pPr>
               <a:spcAft>
                 <a:spcPts val="660"/>
               </a:spcAft>
             </a:pPr>
             <a:r>
-              <a:rPr lang="en-US" sz="2200" b="1" dirty="0" smtClean="0">
-                <a:solidFill>
-                  <a:srgbClr val="0070C0"/>
-                </a:solidFill>
-                <a:latin typeface="Avenir Book" charset="0"/>
-                <a:ea typeface="Avenir Book" charset="0"/>
-                <a:cs typeface="Avenir Book" charset="0"/>
-              </a:rPr>
-              <a:t>Condition: </a:t>
-            </a:r>
-            <a:r>
-              <a:rPr lang="en-US" sz="2200" b="1" dirty="0" err="1" smtClean="0">
-                <a:solidFill>
-                  <a:schemeClr val="bg1">
+              <a:rPr lang="en-US" sz="2207" b="1" dirty="0" smtClean="0">
+                <a:solidFill>
+                  <a:schemeClr val="bg2">
                     <a:lumMod val="50000"/>
                   </a:schemeClr>
                 </a:solidFill>
@@ -3981,12 +4102,56 @@
                 <a:ea typeface="Avenir Book" charset="0"/>
                 <a:cs typeface="Avenir Book" charset="0"/>
               </a:rPr>
-              <a:t>Athero</a:t>
-            </a:r>
-            <a:r>
-              <a:rPr lang="en-US" sz="2200" b="1" dirty="0" smtClean="0">
-                <a:solidFill>
-                  <a:schemeClr val="bg1">
+              <a:t>Clinical/Research</a:t>
+            </a:r>
+            <a:endParaRPr lang="en-US" sz="2207" b="1" dirty="0">
+              <a:solidFill>
+                <a:schemeClr val="bg2">
+                  <a:lumMod val="50000"/>
+                </a:schemeClr>
+              </a:solidFill>
+              <a:latin typeface="Avenir Book" charset="0"/>
+              <a:ea typeface="Avenir Book" charset="0"/>
+              <a:cs typeface="Avenir Book" charset="0"/>
+            </a:endParaRPr>
+          </a:p>
+        </p:txBody>
+      </p:sp>
+      <p:sp>
+        <p:nvSpPr>
+          <p:cNvPr id="18" name="TextBox 17"/>
+          <p:cNvSpPr txBox="1"/>
+          <p:nvPr/>
+        </p:nvSpPr>
+        <p:spPr>
+          <a:xfrm>
+            <a:off x="4305918" y="3857781"/>
+            <a:ext cx="3223469" cy="431978"/>
+          </a:xfrm>
+          <a:prstGeom prst="rect">
+            <a:avLst/>
+          </a:prstGeom>
+          <a:solidFill>
+            <a:schemeClr val="bg1">
+              <a:lumMod val="95000"/>
+            </a:schemeClr>
+          </a:solidFill>
+        </p:spPr>
+        <p:txBody>
+          <a:bodyPr wrap="square" rtlCol="0">
+            <a:spAutoFit/>
+          </a:bodyPr>
+          <a:lstStyle/>
+          <a:p>
+            <a:pPr>
+              <a:spcAft>
+                <a:spcPts val="660"/>
+              </a:spcAft>
+            </a:pPr>
+            <a:r>
+              <a:rPr lang="en-US" sz="2207" b="1" dirty="0" smtClean="0">
+                <a:solidFill>
+                  <a:schemeClr val="bg2">
                     <a:lumMod val="50000"/>
                   </a:schemeClr>
                 </a:solidFill>
@@ -3994,12 +4159,56 @@
                 <a:ea typeface="Avenir Book" charset="0"/>
                 <a:cs typeface="Avenir Book" charset="0"/>
               </a:rPr>
-              <a:t>/</a:t>
-            </a:r>
-            <a:r>
-              <a:rPr lang="en-US" sz="2200" b="1" dirty="0" err="1" smtClean="0">
-                <a:solidFill>
-                  <a:schemeClr val="bg1">
+              <a:t>Male/Female</a:t>
+            </a:r>
+            <a:endParaRPr lang="en-US" sz="2207" b="1" dirty="0">
+              <a:solidFill>
+                <a:schemeClr val="bg2">
+                  <a:lumMod val="50000"/>
+                </a:schemeClr>
+              </a:solidFill>
+              <a:latin typeface="Avenir Book" charset="0"/>
+              <a:ea typeface="Avenir Book" charset="0"/>
+              <a:cs typeface="Avenir Book" charset="0"/>
+            </a:endParaRPr>
+          </a:p>
+        </p:txBody>
+      </p:sp>
+      <p:sp>
+        <p:nvSpPr>
+          <p:cNvPr id="19" name="TextBox 18"/>
+          <p:cNvSpPr txBox="1"/>
+          <p:nvPr/>
+        </p:nvSpPr>
+        <p:spPr>
+          <a:xfrm>
+            <a:off x="4305918" y="3425803"/>
+            <a:ext cx="3223469" cy="431978"/>
+          </a:xfrm>
+          <a:prstGeom prst="rect">
+            <a:avLst/>
+          </a:prstGeom>
+          <a:solidFill>
+            <a:schemeClr val="bg1">
+              <a:lumMod val="95000"/>
+            </a:schemeClr>
+          </a:solidFill>
+        </p:spPr>
+        <p:txBody>
+          <a:bodyPr wrap="square" rtlCol="0">
+            <a:spAutoFit/>
+          </a:bodyPr>
+          <a:lstStyle/>
+          <a:p>
+            <a:pPr>
+              <a:spcAft>
+                <a:spcPts val="660"/>
+              </a:spcAft>
+            </a:pPr>
+            <a:r>
+              <a:rPr lang="en-US" sz="2207" b="1" dirty="0" err="1" smtClean="0">
+                <a:solidFill>
+                  <a:schemeClr val="bg2">
                     <a:lumMod val="50000"/>
                   </a:schemeClr>
                 </a:solidFill>
@@ -4007,11 +4216,164 @@
                 <a:ea typeface="Avenir Book" charset="0"/>
                 <a:cs typeface="Avenir Book" charset="0"/>
               </a:rPr>
-              <a:t>Moyamoya</a:t>
-            </a:r>
-            <a:endParaRPr lang="en-US" sz="2200" b="1" dirty="0">
+              <a:t>mrn</a:t>
+            </a:r>
+            <a:r>
+              <a:rPr lang="en-US" sz="2207" b="1" dirty="0" smtClean="0">
+                <a:solidFill>
+                  <a:schemeClr val="bg2">
+                    <a:lumMod val="50000"/>
+                  </a:schemeClr>
+                </a:solidFill>
+                <a:latin typeface="Avenir Book" charset="0"/>
+                <a:ea typeface="Avenir Book" charset="0"/>
+                <a:cs typeface="Avenir Book" charset="0"/>
+              </a:rPr>
+              <a:t>##########</a:t>
+            </a:r>
+            <a:endParaRPr lang="en-US" sz="2207" b="1" dirty="0">
               <a:solidFill>
-                <a:schemeClr val="bg1">
+                <a:schemeClr val="bg2">
+                  <a:lumMod val="50000"/>
+                </a:schemeClr>
+              </a:solidFill>
+              <a:latin typeface="Avenir Book" charset="0"/>
+              <a:ea typeface="Avenir Book" charset="0"/>
+              <a:cs typeface="Avenir Book" charset="0"/>
+            </a:endParaRPr>
+          </a:p>
+        </p:txBody>
+      </p:sp>
+      <p:sp>
+        <p:nvSpPr>
+          <p:cNvPr id="20" name="TextBox 19"/>
+          <p:cNvSpPr txBox="1"/>
+          <p:nvPr/>
+        </p:nvSpPr>
+        <p:spPr>
+          <a:xfrm>
+            <a:off x="4305918" y="2568126"/>
+            <a:ext cx="3223469" cy="431978"/>
+          </a:xfrm>
+          <a:prstGeom prst="rect">
+            <a:avLst/>
+          </a:prstGeom>
+          <a:solidFill>
+            <a:schemeClr val="bg1">
+              <a:lumMod val="95000"/>
+            </a:schemeClr>
+          </a:solidFill>
+        </p:spPr>
+        <p:txBody>
+          <a:bodyPr wrap="square" rtlCol="0">
+            <a:spAutoFit/>
+          </a:bodyPr>
+          <a:lstStyle/>
+          <a:p>
+            <a:pPr>
+              <a:spcAft>
+                <a:spcPts val="660"/>
+              </a:spcAft>
+            </a:pPr>
+            <a:r>
+              <a:rPr lang="en-US" sz="2207" b="1" dirty="0" err="1" smtClean="0">
+                <a:solidFill>
+                  <a:schemeClr val="bg2">
+                    <a:lumMod val="50000"/>
+                  </a:schemeClr>
+                </a:solidFill>
+                <a:latin typeface="Avenir Book" charset="0"/>
+                <a:ea typeface="Avenir Book" charset="0"/>
+                <a:cs typeface="Avenir Book" charset="0"/>
+              </a:rPr>
+              <a:t>dobYYYYmmdd</a:t>
+            </a:r>
+            <a:endParaRPr lang="en-US" sz="2207" b="1" dirty="0">
+              <a:solidFill>
+                <a:schemeClr val="bg2">
+                  <a:lumMod val="50000"/>
+                </a:schemeClr>
+              </a:solidFill>
+              <a:latin typeface="Avenir Book" charset="0"/>
+              <a:ea typeface="Avenir Book" charset="0"/>
+              <a:cs typeface="Avenir Book" charset="0"/>
+            </a:endParaRPr>
+          </a:p>
+        </p:txBody>
+      </p:sp>
+      <p:sp>
+        <p:nvSpPr>
+          <p:cNvPr id="21" name="TextBox 20"/>
+          <p:cNvSpPr txBox="1"/>
+          <p:nvPr/>
+        </p:nvSpPr>
+        <p:spPr>
+          <a:xfrm>
+            <a:off x="4305918" y="2998904"/>
+            <a:ext cx="3223469" cy="431978"/>
+          </a:xfrm>
+          <a:prstGeom prst="rect">
+            <a:avLst/>
+          </a:prstGeom>
+          <a:solidFill>
+            <a:schemeClr val="bg1">
+              <a:lumMod val="95000"/>
+            </a:schemeClr>
+          </a:solidFill>
+        </p:spPr>
+        <p:txBody>
+          <a:bodyPr wrap="square" rtlCol="0">
+            <a:spAutoFit/>
+          </a:bodyPr>
+          <a:lstStyle/>
+          <a:p>
+            <a:pPr>
+              <a:spcAft>
+                <a:spcPts val="660"/>
+              </a:spcAft>
+            </a:pPr>
+            <a:r>
+              <a:rPr lang="en-US" sz="2207" b="1" dirty="0" smtClean="0">
+                <a:solidFill>
+                  <a:schemeClr val="bg2">
+                    <a:lumMod val="50000"/>
+                  </a:schemeClr>
+                </a:solidFill>
+                <a:latin typeface="Avenir Book" charset="0"/>
+                <a:ea typeface="Avenir Book" charset="0"/>
+                <a:cs typeface="Avenir Book" charset="0"/>
+              </a:rPr>
+              <a:t>age## </a:t>
+            </a:r>
+            <a:r>
+              <a:rPr lang="en-US" sz="2207" b="1" dirty="0" err="1" smtClean="0">
+                <a:solidFill>
+                  <a:schemeClr val="bg2">
+                    <a:lumMod val="50000"/>
+                  </a:schemeClr>
+                </a:solidFill>
+                <a:latin typeface="Avenir Book" charset="0"/>
+                <a:ea typeface="Avenir Book" charset="0"/>
+                <a:cs typeface="Avenir Book" charset="0"/>
+              </a:rPr>
+              <a:t>y.o</a:t>
+            </a:r>
+            <a:r>
+              <a:rPr lang="en-US" sz="2207" b="1" dirty="0" smtClean="0">
+                <a:solidFill>
+                  <a:schemeClr val="bg2">
+                    <a:lumMod val="50000"/>
+                  </a:schemeClr>
+                </a:solidFill>
+                <a:latin typeface="Avenir Book" charset="0"/>
+                <a:ea typeface="Avenir Book" charset="0"/>
+                <a:cs typeface="Avenir Book" charset="0"/>
+              </a:rPr>
+              <a:t>.</a:t>
+            </a:r>
+            <a:endParaRPr lang="en-US" sz="2207" b="1" dirty="0">
+              <a:solidFill>
+                <a:schemeClr val="bg2">
                   <a:lumMod val="50000"/>
                 </a:schemeClr>
               </a:solidFill>
@@ -4788,49 +5150,15 @@
               </a:spcAft>
             </a:pPr>
             <a:r>
-              <a:rPr lang="en-US" sz="2207" b="1" dirty="0">
-                <a:solidFill>
-                  <a:srgbClr val="0070C0"/>
-                </a:solidFill>
-                <a:latin typeface="Avenir Book" charset="0"/>
-                <a:ea typeface="Avenir Book" charset="0"/>
-                <a:cs typeface="Avenir Book" charset="0"/>
-              </a:rPr>
-              <a:t>History:</a:t>
-            </a:r>
-            <a:r>
-              <a:rPr lang="en-US" sz="2207" dirty="0">
-                <a:solidFill>
-                  <a:srgbClr val="0070C0"/>
-                </a:solidFill>
-                <a:latin typeface="Avenir Book" charset="0"/>
-                <a:ea typeface="Avenir Book" charset="0"/>
-                <a:cs typeface="Avenir Book" charset="0"/>
-              </a:rPr>
-              <a:t> </a:t>
-            </a:r>
-            <a:r>
-              <a:rPr lang="en-US" sz="2207" dirty="0" smtClean="0">
-                <a:solidFill>
-                  <a:schemeClr val="tx1">
-                    <a:lumMod val="75000"/>
-                    <a:lumOff val="25000"/>
-                  </a:schemeClr>
-                </a:solidFill>
-                <a:latin typeface="Avenir Book" charset="0"/>
-                <a:ea typeface="Avenir Book" charset="0"/>
-                <a:cs typeface="Avenir Book" charset="0"/>
-              </a:rPr>
-              <a:t>## </a:t>
-            </a:r>
-            <a:r>
-              <a:rPr lang="en-US" sz="2207" dirty="0" err="1">
-                <a:solidFill>
-                  <a:schemeClr val="tx1">
-                    <a:lumMod val="75000"/>
-                    <a:lumOff val="25000"/>
-                  </a:schemeClr>
-                </a:solidFill>
+              <a:rPr lang="en-US" sz="2207" b="1" dirty="0" smtClean="0">
+                <a:latin typeface="Avenir Book" charset="0"/>
+                <a:ea typeface="Avenir Book" charset="0"/>
+                <a:cs typeface="Avenir Book" charset="0"/>
+              </a:rPr>
+              <a:t>History: age## </a:t>
+            </a:r>
+            <a:r>
+              <a:rPr lang="en-US" sz="2207" b="1" dirty="0" err="1" smtClean="0">
                 <a:latin typeface="Avenir Book" charset="0"/>
                 <a:ea typeface="Avenir Book" charset="0"/>
                 <a:cs typeface="Avenir Book" charset="0"/>
@@ -4838,82 +5166,38 @@
               <a:t>y.o</a:t>
             </a:r>
             <a:r>
-              <a:rPr lang="en-US" sz="2207" dirty="0">
-                <a:solidFill>
-                  <a:schemeClr val="tx1">
-                    <a:lumMod val="75000"/>
-                    <a:lumOff val="25000"/>
-                  </a:schemeClr>
-                </a:solidFill>
-                <a:latin typeface="Avenir Book" charset="0"/>
-                <a:ea typeface="Avenir Book" charset="0"/>
-                <a:cs typeface="Avenir Book" charset="0"/>
-              </a:rPr>
-              <a:t>. </a:t>
-            </a:r>
-            <a:r>
-              <a:rPr lang="en-US" sz="2207" dirty="0" err="1" smtClean="0">
-                <a:solidFill>
-                  <a:schemeClr val="tx1">
-                    <a:lumMod val="75000"/>
-                    <a:lumOff val="25000"/>
-                  </a:schemeClr>
-                </a:solidFill>
-                <a:latin typeface="Avenir Book" charset="0"/>
-                <a:ea typeface="Avenir Book" charset="0"/>
-                <a:cs typeface="Avenir Book" charset="0"/>
-              </a:rPr>
-              <a:t>XXmale</a:t>
-            </a:r>
-            <a:r>
-              <a:rPr lang="en-US" sz="2207" dirty="0" smtClean="0">
-                <a:solidFill>
-                  <a:schemeClr val="tx1">
-                    <a:lumMod val="75000"/>
-                    <a:lumOff val="25000"/>
-                  </a:schemeClr>
-                </a:solidFill>
-                <a:latin typeface="Avenir Book" charset="0"/>
-                <a:ea typeface="Avenir Book" charset="0"/>
-                <a:cs typeface="Avenir Book" charset="0"/>
-              </a:rPr>
-              <a:t> </a:t>
-            </a:r>
-            <a:r>
-              <a:rPr lang="en-US" sz="2207" dirty="0">
-                <a:solidFill>
-                  <a:schemeClr val="tx1">
-                    <a:lumMod val="75000"/>
-                    <a:lumOff val="25000"/>
-                  </a:schemeClr>
-                </a:solidFill>
-                <a:latin typeface="Avenir Book" charset="0"/>
-                <a:ea typeface="Avenir Book" charset="0"/>
-                <a:cs typeface="Avenir Book" charset="0"/>
-              </a:rPr>
-              <a:t>with </a:t>
-            </a:r>
-            <a:r>
-              <a:rPr lang="is-IS" sz="2207" dirty="0" smtClean="0">
-                <a:solidFill>
-                  <a:schemeClr val="tx1">
-                    <a:lumMod val="75000"/>
-                    <a:lumOff val="25000"/>
-                  </a:schemeClr>
-                </a:solidFill>
+              <a:rPr lang="en-US" sz="2207" b="1" dirty="0" smtClean="0">
+                <a:latin typeface="Avenir Book" charset="0"/>
+                <a:ea typeface="Avenir Book" charset="0"/>
+                <a:cs typeface="Avenir Book" charset="0"/>
+              </a:rPr>
+              <a:t>. male/female with </a:t>
+            </a:r>
+            <a:r>
+              <a:rPr lang="en-US" sz="2207" b="1" dirty="0" err="1" smtClean="0">
+                <a:latin typeface="Avenir Book" charset="0"/>
+                <a:ea typeface="Avenir Book" charset="0"/>
+                <a:cs typeface="Avenir Book" charset="0"/>
+              </a:rPr>
+              <a:t>athero</a:t>
+            </a:r>
+            <a:r>
+              <a:rPr lang="en-US" sz="2207" b="1" dirty="0" smtClean="0">
+                <a:latin typeface="Avenir Book" charset="0"/>
+                <a:ea typeface="Avenir Book" charset="0"/>
+                <a:cs typeface="Avenir Book" charset="0"/>
+              </a:rPr>
+              <a:t>/</a:t>
+            </a:r>
+            <a:r>
+              <a:rPr lang="en-US" sz="2207" b="1" dirty="0" err="1" smtClean="0">
                 <a:latin typeface="Avenir Book" charset="0"/>
                 <a:ea typeface="Avenir Book" charset="0"/>
                 <a:cs typeface="Avenir Book" charset="0"/>
               </a:rPr>
               <a:t>Moyamoya</a:t>
             </a:r>
-            <a:endParaRPr lang="en-US" sz="2207" dirty="0">
-              <a:solidFill>
-                <a:schemeClr val="tx1">
-                  <a:lumMod val="75000"/>
-                  <a:lumOff val="25000"/>
-                </a:schemeClr>
-              </a:solidFill>
+            <a:endParaRPr lang="en-US" sz="2207" b="1" dirty="0">
               <a:latin typeface="Avenir Book" charset="0"/>
               <a:ea typeface="Avenir Book" charset="0"/>
               <a:cs typeface="Avenir Book" charset="0"/>
@@ -4932,7 +5216,7 @@
         <p:spPr bwMode="auto">
           <a:xfrm>
             <a:off x="5278265" y="2354438"/>
-            <a:ext cx="4444855" cy="344197"/>
+            <a:ext cx="4444855" cy="348942"/>
           </a:xfrm>
           <a:prstGeom prst="rect">
             <a:avLst/>
@@ -4963,7 +5247,7 @@
               <a:buNone/>
             </a:pPr>
             <a:r>
-              <a:rPr lang="en-US" altLang="en-US" sz="1760" b="1" dirty="0">
+              <a:rPr lang="en-US" altLang="en-US" sz="1760" b="1" smtClean="0">
                 <a:solidFill>
                   <a:srgbClr val="0070C0"/>
                 </a:solidFill>
@@ -4973,6 +5257,14 @@
               </a:rPr>
               <a:t>IMAGING</a:t>
             </a:r>
+            <a:endParaRPr lang="en-US" altLang="en-US" sz="1760" b="1" dirty="0">
+              <a:solidFill>
+                <a:srgbClr val="0070C0"/>
+              </a:solidFill>
+              <a:latin typeface="Avenir Book" charset="0"/>
+              <a:ea typeface="Avenir Book" charset="0"/>
+              <a:cs typeface="Avenir Book" charset="0"/>
+            </a:endParaRPr>
           </a:p>
         </p:txBody>
       </p:sp>

--- a/bin/TEMPLATE_BOLD_PLACEHOLDERS.pptx
+++ b/bin/TEMPLATE_BOLD_PLACEHOLDERS.pptx
@@ -218,7 +218,7 @@
           <a:p>
             <a:fld id="{2E9DB196-4E5B-B64B-848D-69F7B54B86BB}" type="datetimeFigureOut">
               <a:rPr lang="en-US" smtClean="0"/>
-              <a:t>8/5/20</a:t>
+              <a:t>11/11/20</a:t>
             </a:fld>
             <a:endParaRPr lang="en-US"/>
           </a:p>
@@ -825,7 +825,7 @@
           <a:p>
             <a:fld id="{AFCB438B-53EA-094D-A45F-391681BE2E8A}" type="datetimeFigureOut">
               <a:rPr lang="en-US" smtClean="0"/>
-              <a:t>8/5/20</a:t>
+              <a:t>11/11/20</a:t>
             </a:fld>
             <a:endParaRPr lang="en-US"/>
           </a:p>
@@ -990,7 +990,7 @@
           <a:p>
             <a:fld id="{AFCB438B-53EA-094D-A45F-391681BE2E8A}" type="datetimeFigureOut">
               <a:rPr lang="en-US" smtClean="0"/>
-              <a:t>8/5/20</a:t>
+              <a:t>11/11/20</a:t>
             </a:fld>
             <a:endParaRPr lang="en-US"/>
           </a:p>
@@ -1165,7 +1165,7 @@
           <a:p>
             <a:fld id="{AFCB438B-53EA-094D-A45F-391681BE2E8A}" type="datetimeFigureOut">
               <a:rPr lang="en-US" smtClean="0"/>
-              <a:t>8/5/20</a:t>
+              <a:t>11/11/20</a:t>
             </a:fld>
             <a:endParaRPr lang="en-US"/>
           </a:p>
@@ -1384,7 +1384,7 @@
           <a:p>
             <a:fld id="{AFCB438B-53EA-094D-A45F-391681BE2E8A}" type="datetimeFigureOut">
               <a:rPr lang="en-US" smtClean="0"/>
-              <a:t>8/5/20</a:t>
+              <a:t>11/11/20</a:t>
             </a:fld>
             <a:endParaRPr lang="en-US"/>
           </a:p>
@@ -1623,7 +1623,7 @@
           <a:p>
             <a:fld id="{AFCB438B-53EA-094D-A45F-391681BE2E8A}" type="datetimeFigureOut">
               <a:rPr lang="en-US" smtClean="0"/>
-              <a:t>8/5/20</a:t>
+              <a:t>11/11/20</a:t>
             </a:fld>
             <a:endParaRPr lang="en-US"/>
           </a:p>
@@ -1850,7 +1850,7 @@
           <a:p>
             <a:fld id="{AFCB438B-53EA-094D-A45F-391681BE2E8A}" type="datetimeFigureOut">
               <a:rPr lang="en-US" smtClean="0"/>
-              <a:t>8/5/20</a:t>
+              <a:t>11/11/20</a:t>
             </a:fld>
             <a:endParaRPr lang="en-US"/>
           </a:p>
@@ -2212,7 +2212,7 @@
           <a:p>
             <a:fld id="{AFCB438B-53EA-094D-A45F-391681BE2E8A}" type="datetimeFigureOut">
               <a:rPr lang="en-US" smtClean="0"/>
-              <a:t>8/5/20</a:t>
+              <a:t>11/11/20</a:t>
             </a:fld>
             <a:endParaRPr lang="en-US"/>
           </a:p>
@@ -2325,7 +2325,7 @@
           <a:p>
             <a:fld id="{AFCB438B-53EA-094D-A45F-391681BE2E8A}" type="datetimeFigureOut">
               <a:rPr lang="en-US" smtClean="0"/>
-              <a:t>8/5/20</a:t>
+              <a:t>11/11/20</a:t>
             </a:fld>
             <a:endParaRPr lang="en-US"/>
           </a:p>
@@ -2415,7 +2415,7 @@
           <a:p>
             <a:fld id="{AFCB438B-53EA-094D-A45F-391681BE2E8A}" type="datetimeFigureOut">
               <a:rPr lang="en-US" smtClean="0"/>
-              <a:t>8/5/20</a:t>
+              <a:t>11/11/20</a:t>
             </a:fld>
             <a:endParaRPr lang="en-US"/>
           </a:p>
@@ -2687,7 +2687,7 @@
           <a:p>
             <a:fld id="{AFCB438B-53EA-094D-A45F-391681BE2E8A}" type="datetimeFigureOut">
               <a:rPr lang="en-US" smtClean="0"/>
-              <a:t>8/5/20</a:t>
+              <a:t>11/11/20</a:t>
             </a:fld>
             <a:endParaRPr lang="en-US"/>
           </a:p>
@@ -2939,7 +2939,7 @@
           <a:p>
             <a:fld id="{AFCB438B-53EA-094D-A45F-391681BE2E8A}" type="datetimeFigureOut">
               <a:rPr lang="en-US" smtClean="0"/>
-              <a:t>8/5/20</a:t>
+              <a:t>11/11/20</a:t>
             </a:fld>
             <a:endParaRPr lang="en-US"/>
           </a:p>
@@ -3147,7 +3147,7 @@
           <a:p>
             <a:fld id="{AFCB438B-53EA-094D-A45F-391681BE2E8A}" type="datetimeFigureOut">
               <a:rPr lang="en-US" smtClean="0"/>
-              <a:t>8/5/20</a:t>
+              <a:t>11/11/20</a:t>
             </a:fld>
             <a:endParaRPr lang="en-US"/>
           </a:p>
@@ -3785,18 +3785,7 @@
                 <a:ea typeface="Avenir Book" charset="0"/>
                 <a:cs typeface="Avenir Book" charset="0"/>
               </a:rPr>
-              <a:t>DOB</a:t>
-            </a:r>
-            <a:r>
-              <a:rPr lang="en-US" sz="2200" b="1" dirty="0" smtClean="0">
-                <a:solidFill>
-                  <a:srgbClr val="0070C0"/>
-                </a:solidFill>
-                <a:latin typeface="Avenir Book" charset="0"/>
-                <a:ea typeface="Avenir Book" charset="0"/>
-                <a:cs typeface="Avenir Book" charset="0"/>
-              </a:rPr>
-              <a:t>:</a:t>
+              <a:t>DOB:</a:t>
             </a:r>
           </a:p>
           <a:p>
@@ -3816,14 +3805,6 @@
               </a:rPr>
               <a:t>Age:</a:t>
             </a:r>
-            <a:endParaRPr lang="en-US" sz="2200" b="1" dirty="0" smtClean="0">
-              <a:solidFill>
-                <a:srgbClr val="0070C0"/>
-              </a:solidFill>
-              <a:latin typeface="Avenir Book" charset="0"/>
-              <a:ea typeface="Avenir Book" charset="0"/>
-              <a:cs typeface="Avenir Book" charset="0"/>
-            </a:endParaRPr>
           </a:p>
           <a:p>
             <a:pPr algn="r">
@@ -4829,7 +4810,7 @@
             <a:r>
               <a:rPr lang="en-US" sz="1600" dirty="0">
                 <a:solidFill>
-                  <a:srgbClr val="FFFFFF"/>
+                  <a:srgbClr val="FF0000"/>
                 </a:solidFill>
                 <a:latin typeface="Avenir Book" charset="0"/>
                 <a:ea typeface="Avenir Book" charset="0"/>
@@ -4840,7 +4821,7 @@
             <a:r>
               <a:rPr lang="en-US" sz="1600" dirty="0" smtClean="0">
                 <a:solidFill>
-                  <a:srgbClr val="FFFFFF"/>
+                  <a:srgbClr val="FF0000"/>
                 </a:solidFill>
                 <a:latin typeface="Avenir Book" charset="0"/>
                 <a:ea typeface="Avenir Book" charset="0"/>
@@ -4851,7 +4832,7 @@
             <a:r>
               <a:rPr lang="en-US" sz="1600" dirty="0">
                 <a:solidFill>
-                  <a:srgbClr val="FFFFFF"/>
+                  <a:srgbClr val="FF0000"/>
                 </a:solidFill>
                 <a:latin typeface="Avenir Book" charset="0"/>
                 <a:ea typeface="Avenir Book" charset="0"/>
@@ -4862,7 +4843,7 @@
             <a:r>
               <a:rPr lang="en-US" sz="1600" b="1" dirty="0">
                 <a:solidFill>
-                  <a:srgbClr val="FFFFFF"/>
+                  <a:srgbClr val="FF0000"/>
                 </a:solidFill>
                 <a:latin typeface="Avenir Book" charset="0"/>
                 <a:ea typeface="Avenir Book" charset="0"/>
@@ -8217,7 +8198,7 @@
             <a:r>
               <a:rPr lang="en-US" sz="1600" dirty="0">
                 <a:solidFill>
-                  <a:srgbClr val="FFFFFF"/>
+                  <a:srgbClr val="FF0000"/>
                 </a:solidFill>
                 <a:latin typeface="Avenir Book" charset="0"/>
                 <a:ea typeface="Avenir Book" charset="0"/>
@@ -8228,7 +8209,7 @@
             <a:r>
               <a:rPr lang="en-US" sz="1600" dirty="0" smtClean="0">
                 <a:solidFill>
-                  <a:srgbClr val="FFFFFF"/>
+                  <a:srgbClr val="FF0000"/>
                 </a:solidFill>
                 <a:latin typeface="Avenir Book" charset="0"/>
                 <a:ea typeface="Avenir Book" charset="0"/>
@@ -8238,7 +8219,7 @@
             </a:r>
             <a:endParaRPr lang="en-US" sz="1600" b="1" dirty="0">
               <a:solidFill>
-                <a:srgbClr val="FFFFFF"/>
+                <a:srgbClr val="FF0000"/>
               </a:solidFill>
               <a:latin typeface="Avenir Book" charset="0"/>
               <a:ea typeface="Avenir Book" charset="0"/>
@@ -8324,7 +8305,7 @@
           <p:cNvPr id="14" name="Oval 13">
             <a:extLst>
               <a:ext uri="{FF2B5EF4-FFF2-40B4-BE49-F238E27FC236}">
-                <a16:creationId xmlns:a16="http://schemas.microsoft.com/office/drawing/2014/main" xmlns="" id="{D79BB1CE-39DB-BB49-A501-C6EFD2590B3E}"/>
+                <a16:creationId xmlns="" xmlns:a16="http://schemas.microsoft.com/office/drawing/2014/main" id="{D79BB1CE-39DB-BB49-A501-C6EFD2590B3E}"/>
               </a:ext>
             </a:extLst>
           </p:cNvPr>
@@ -8378,7 +8359,7 @@
           <p:cNvPr id="15" name="TextBox 14">
             <a:extLst>
               <a:ext uri="{FF2B5EF4-FFF2-40B4-BE49-F238E27FC236}">
-                <a16:creationId xmlns:a16="http://schemas.microsoft.com/office/drawing/2014/main" xmlns="" id="{549D0D24-412B-7248-8FF0-F05F9C55085D}"/>
+                <a16:creationId xmlns="" xmlns:a16="http://schemas.microsoft.com/office/drawing/2014/main" id="{549D0D24-412B-7248-8FF0-F05F9C55085D}"/>
               </a:ext>
             </a:extLst>
           </p:cNvPr>
@@ -8415,7 +8396,7 @@
           <p:cNvPr id="17" name="Oval 16">
             <a:extLst>
               <a:ext uri="{FF2B5EF4-FFF2-40B4-BE49-F238E27FC236}">
-                <a16:creationId xmlns:a16="http://schemas.microsoft.com/office/drawing/2014/main" xmlns="" id="{AC3A3EC1-2396-B943-9A2D-48335F761392}"/>
+                <a16:creationId xmlns="" xmlns:a16="http://schemas.microsoft.com/office/drawing/2014/main" id="{AC3A3EC1-2396-B943-9A2D-48335F761392}"/>
               </a:ext>
             </a:extLst>
           </p:cNvPr>
@@ -8469,7 +8450,7 @@
           <p:cNvPr id="18" name="TextBox 17">
             <a:extLst>
               <a:ext uri="{FF2B5EF4-FFF2-40B4-BE49-F238E27FC236}">
-                <a16:creationId xmlns:a16="http://schemas.microsoft.com/office/drawing/2014/main" xmlns="" id="{9387BF14-286E-9147-8AFD-F2A31BFA281B}"/>
+                <a16:creationId xmlns="" xmlns:a16="http://schemas.microsoft.com/office/drawing/2014/main" id="{9387BF14-286E-9147-8AFD-F2A31BFA281B}"/>
               </a:ext>
             </a:extLst>
           </p:cNvPr>
@@ -8760,7 +8741,7 @@
             <a:r>
               <a:rPr lang="en-US" sz="1600" dirty="0" smtClean="0">
                 <a:solidFill>
-                  <a:srgbClr val="FFFFFF"/>
+                  <a:srgbClr val="FF0000"/>
                 </a:solidFill>
                 <a:latin typeface="Avenir Book" charset="0"/>
                 <a:ea typeface="Avenir Book" charset="0"/>
@@ -8770,7 +8751,7 @@
             </a:r>
             <a:endParaRPr lang="en-US" sz="1600" b="1" dirty="0">
               <a:solidFill>
-                <a:srgbClr val="FFFFFF"/>
+                <a:srgbClr val="FF0000"/>
               </a:solidFill>
               <a:latin typeface="Avenir Book" charset="0"/>
               <a:ea typeface="Avenir Book" charset="0"/>
@@ -9173,7 +9154,7 @@
             <a:r>
               <a:rPr lang="en-US" sz="1600" dirty="0" smtClean="0">
                 <a:solidFill>
-                  <a:srgbClr val="FFFFFF"/>
+                  <a:srgbClr val="FF0000"/>
                 </a:solidFill>
                 <a:latin typeface="Avenir Book" charset="0"/>
                 <a:ea typeface="Avenir Book" charset="0"/>
@@ -9183,7 +9164,7 @@
             </a:r>
             <a:endParaRPr lang="en-US" sz="1600" b="1" dirty="0">
               <a:solidFill>
-                <a:srgbClr val="FFFFFF"/>
+                <a:srgbClr val="FF0000"/>
               </a:solidFill>
               <a:latin typeface="Avenir Book" charset="0"/>
               <a:ea typeface="Avenir Book" charset="0"/>
@@ -9862,7 +9843,7 @@
             <a:r>
               <a:rPr lang="en-US" sz="1600" dirty="0" smtClean="0">
                 <a:solidFill>
-                  <a:srgbClr val="FFFFFF"/>
+                  <a:srgbClr val="FF0000"/>
                 </a:solidFill>
                 <a:latin typeface="Avenir Book" charset="0"/>
                 <a:ea typeface="Avenir Book" charset="0"/>
@@ -9872,7 +9853,7 @@
             </a:r>
             <a:endParaRPr lang="en-US" sz="1600" b="1" dirty="0">
               <a:solidFill>
-                <a:srgbClr val="FFFFFF"/>
+                <a:srgbClr val="FF0000"/>
               </a:solidFill>
               <a:latin typeface="Avenir Book" charset="0"/>
               <a:ea typeface="Avenir Book" charset="0"/>
@@ -10695,7 +10676,7 @@
             <a:r>
               <a:rPr lang="en-US" sz="1600" dirty="0" smtClean="0">
                 <a:solidFill>
-                  <a:srgbClr val="FFFFFF"/>
+                  <a:srgbClr val="FF0000"/>
                 </a:solidFill>
                 <a:latin typeface="Avenir Book" charset="0"/>
                 <a:ea typeface="Avenir Book" charset="0"/>
@@ -10706,7 +10687,7 @@
             <a:r>
               <a:rPr lang="en-US" sz="1600" dirty="0" err="1" smtClean="0">
                 <a:solidFill>
-                  <a:srgbClr val="FFFFFF"/>
+                  <a:srgbClr val="FF0000"/>
                 </a:solidFill>
                 <a:latin typeface="Avenir Book" charset="0"/>
                 <a:ea typeface="Avenir Book" charset="0"/>
@@ -10717,7 +10698,7 @@
             <a:r>
               <a:rPr lang="en-US" sz="1600" dirty="0" smtClean="0">
                 <a:solidFill>
-                  <a:srgbClr val="FFFFFF"/>
+                  <a:srgbClr val="FF0000"/>
                 </a:solidFill>
                 <a:latin typeface="Avenir Book" charset="0"/>
                 <a:ea typeface="Avenir Book" charset="0"/>
@@ -10727,7 +10708,7 @@
             </a:r>
             <a:endParaRPr lang="en-US" sz="1600" b="1" dirty="0">
               <a:solidFill>
-                <a:srgbClr val="FFFFFF"/>
+                <a:srgbClr val="FF0000"/>
               </a:solidFill>
               <a:latin typeface="Avenir Book" charset="0"/>
               <a:ea typeface="Avenir Book" charset="0"/>
@@ -10813,7 +10794,7 @@
           <p:cNvPr id="14" name="Oval 13">
             <a:extLst>
               <a:ext uri="{FF2B5EF4-FFF2-40B4-BE49-F238E27FC236}">
-                <a16:creationId xmlns:a16="http://schemas.microsoft.com/office/drawing/2014/main" xmlns="" id="{D79BB1CE-39DB-BB49-A501-C6EFD2590B3E}"/>
+                <a16:creationId xmlns="" xmlns:a16="http://schemas.microsoft.com/office/drawing/2014/main" id="{D79BB1CE-39DB-BB49-A501-C6EFD2590B3E}"/>
               </a:ext>
             </a:extLst>
           </p:cNvPr>
@@ -10867,7 +10848,7 @@
           <p:cNvPr id="15" name="TextBox 14">
             <a:extLst>
               <a:ext uri="{FF2B5EF4-FFF2-40B4-BE49-F238E27FC236}">
-                <a16:creationId xmlns:a16="http://schemas.microsoft.com/office/drawing/2014/main" xmlns="" id="{549D0D24-412B-7248-8FF0-F05F9C55085D}"/>
+                <a16:creationId xmlns="" xmlns:a16="http://schemas.microsoft.com/office/drawing/2014/main" id="{549D0D24-412B-7248-8FF0-F05F9C55085D}"/>
               </a:ext>
             </a:extLst>
           </p:cNvPr>
@@ -10904,7 +10885,7 @@
           <p:cNvPr id="17" name="Oval 16">
             <a:extLst>
               <a:ext uri="{FF2B5EF4-FFF2-40B4-BE49-F238E27FC236}">
-                <a16:creationId xmlns:a16="http://schemas.microsoft.com/office/drawing/2014/main" xmlns="" id="{AC3A3EC1-2396-B943-9A2D-48335F761392}"/>
+                <a16:creationId xmlns="" xmlns:a16="http://schemas.microsoft.com/office/drawing/2014/main" id="{AC3A3EC1-2396-B943-9A2D-48335F761392}"/>
               </a:ext>
             </a:extLst>
           </p:cNvPr>
@@ -10958,7 +10939,7 @@
           <p:cNvPr id="18" name="TextBox 17">
             <a:extLst>
               <a:ext uri="{FF2B5EF4-FFF2-40B4-BE49-F238E27FC236}">
-                <a16:creationId xmlns:a16="http://schemas.microsoft.com/office/drawing/2014/main" xmlns="" id="{9387BF14-286E-9147-8AFD-F2A31BFA281B}"/>
+                <a16:creationId xmlns="" xmlns:a16="http://schemas.microsoft.com/office/drawing/2014/main" id="{9387BF14-286E-9147-8AFD-F2A31BFA281B}"/>
               </a:ext>
             </a:extLst>
           </p:cNvPr>

--- a/bin/TEMPLATE_BOLD_PLACEHOLDERS.pptx
+++ b/bin/TEMPLATE_BOLD_PLACEHOLDERS.pptx
@@ -6975,7 +6975,7 @@
             <a:r>
               <a:rPr lang="en-US" sz="1600" dirty="0" smtClean="0">
                 <a:solidFill>
-                  <a:srgbClr val="FFFFFF"/>
+                  <a:srgbClr val="FF0000"/>
                 </a:solidFill>
                 <a:latin typeface="Avenir Book" charset="0"/>
                 <a:ea typeface="Avenir Book" charset="0"/>
@@ -6985,7 +6985,7 @@
             </a:r>
             <a:endParaRPr lang="en-US" sz="1600" b="1" dirty="0">
               <a:solidFill>
-                <a:srgbClr val="FFFFFF"/>
+                <a:srgbClr val="FF0000"/>
               </a:solidFill>
               <a:latin typeface="Avenir Book" charset="0"/>
               <a:ea typeface="Avenir Book" charset="0"/>
@@ -8305,7 +8305,7 @@
           <p:cNvPr id="14" name="Oval 13">
             <a:extLst>
               <a:ext uri="{FF2B5EF4-FFF2-40B4-BE49-F238E27FC236}">
-                <a16:creationId xmlns="" xmlns:a16="http://schemas.microsoft.com/office/drawing/2014/main" id="{D79BB1CE-39DB-BB49-A501-C6EFD2590B3E}"/>
+                <a16:creationId xmlns:a16="http://schemas.microsoft.com/office/drawing/2014/main" xmlns="" id="{D79BB1CE-39DB-BB49-A501-C6EFD2590B3E}"/>
               </a:ext>
             </a:extLst>
           </p:cNvPr>
@@ -8359,7 +8359,7 @@
           <p:cNvPr id="15" name="TextBox 14">
             <a:extLst>
               <a:ext uri="{FF2B5EF4-FFF2-40B4-BE49-F238E27FC236}">
-                <a16:creationId xmlns="" xmlns:a16="http://schemas.microsoft.com/office/drawing/2014/main" id="{549D0D24-412B-7248-8FF0-F05F9C55085D}"/>
+                <a16:creationId xmlns:a16="http://schemas.microsoft.com/office/drawing/2014/main" xmlns="" id="{549D0D24-412B-7248-8FF0-F05F9C55085D}"/>
               </a:ext>
             </a:extLst>
           </p:cNvPr>
@@ -8396,7 +8396,7 @@
           <p:cNvPr id="17" name="Oval 16">
             <a:extLst>
               <a:ext uri="{FF2B5EF4-FFF2-40B4-BE49-F238E27FC236}">
-                <a16:creationId xmlns="" xmlns:a16="http://schemas.microsoft.com/office/drawing/2014/main" id="{AC3A3EC1-2396-B943-9A2D-48335F761392}"/>
+                <a16:creationId xmlns:a16="http://schemas.microsoft.com/office/drawing/2014/main" xmlns="" id="{AC3A3EC1-2396-B943-9A2D-48335F761392}"/>
               </a:ext>
             </a:extLst>
           </p:cNvPr>
@@ -8450,7 +8450,7 @@
           <p:cNvPr id="18" name="TextBox 17">
             <a:extLst>
               <a:ext uri="{FF2B5EF4-FFF2-40B4-BE49-F238E27FC236}">
-                <a16:creationId xmlns="" xmlns:a16="http://schemas.microsoft.com/office/drawing/2014/main" id="{9387BF14-286E-9147-8AFD-F2A31BFA281B}"/>
+                <a16:creationId xmlns:a16="http://schemas.microsoft.com/office/drawing/2014/main" xmlns="" id="{9387BF14-286E-9147-8AFD-F2A31BFA281B}"/>
               </a:ext>
             </a:extLst>
           </p:cNvPr>
@@ -10794,7 +10794,7 @@
           <p:cNvPr id="14" name="Oval 13">
             <a:extLst>
               <a:ext uri="{FF2B5EF4-FFF2-40B4-BE49-F238E27FC236}">
-                <a16:creationId xmlns="" xmlns:a16="http://schemas.microsoft.com/office/drawing/2014/main" id="{D79BB1CE-39DB-BB49-A501-C6EFD2590B3E}"/>
+                <a16:creationId xmlns:a16="http://schemas.microsoft.com/office/drawing/2014/main" xmlns="" id="{D79BB1CE-39DB-BB49-A501-C6EFD2590B3E}"/>
               </a:ext>
             </a:extLst>
           </p:cNvPr>
@@ -10848,7 +10848,7 @@
           <p:cNvPr id="15" name="TextBox 14">
             <a:extLst>
               <a:ext uri="{FF2B5EF4-FFF2-40B4-BE49-F238E27FC236}">
-                <a16:creationId xmlns="" xmlns:a16="http://schemas.microsoft.com/office/drawing/2014/main" id="{549D0D24-412B-7248-8FF0-F05F9C55085D}"/>
+                <a16:creationId xmlns:a16="http://schemas.microsoft.com/office/drawing/2014/main" xmlns="" id="{549D0D24-412B-7248-8FF0-F05F9C55085D}"/>
               </a:ext>
             </a:extLst>
           </p:cNvPr>
@@ -10885,7 +10885,7 @@
           <p:cNvPr id="17" name="Oval 16">
             <a:extLst>
               <a:ext uri="{FF2B5EF4-FFF2-40B4-BE49-F238E27FC236}">
-                <a16:creationId xmlns="" xmlns:a16="http://schemas.microsoft.com/office/drawing/2014/main" id="{AC3A3EC1-2396-B943-9A2D-48335F761392}"/>
+                <a16:creationId xmlns:a16="http://schemas.microsoft.com/office/drawing/2014/main" xmlns="" id="{AC3A3EC1-2396-B943-9A2D-48335F761392}"/>
               </a:ext>
             </a:extLst>
           </p:cNvPr>
@@ -10939,7 +10939,7 @@
           <p:cNvPr id="18" name="TextBox 17">
             <a:extLst>
               <a:ext uri="{FF2B5EF4-FFF2-40B4-BE49-F238E27FC236}">
-                <a16:creationId xmlns="" xmlns:a16="http://schemas.microsoft.com/office/drawing/2014/main" id="{9387BF14-286E-9147-8AFD-F2A31BFA281B}"/>
+                <a16:creationId xmlns:a16="http://schemas.microsoft.com/office/drawing/2014/main" xmlns="" id="{9387BF14-286E-9147-8AFD-F2A31BFA281B}"/>
               </a:ext>
             </a:extLst>
           </p:cNvPr>

--- a/bin/TEMPLATE_BOLD_PLACEHOLDERS.pptx
+++ b/bin/TEMPLATE_BOLD_PLACEHOLDERS.pptx
@@ -218,7 +218,7 @@
           <a:p>
             <a:fld id="{2E9DB196-4E5B-B64B-848D-69F7B54B86BB}" type="datetimeFigureOut">
               <a:rPr lang="en-US" smtClean="0"/>
-              <a:t>11/11/20</a:t>
+              <a:t>2/28/21</a:t>
             </a:fld>
             <a:endParaRPr lang="en-US"/>
           </a:p>
@@ -825,7 +825,7 @@
           <a:p>
             <a:fld id="{AFCB438B-53EA-094D-A45F-391681BE2E8A}" type="datetimeFigureOut">
               <a:rPr lang="en-US" smtClean="0"/>
-              <a:t>11/11/20</a:t>
+              <a:t>2/28/21</a:t>
             </a:fld>
             <a:endParaRPr lang="en-US"/>
           </a:p>
@@ -990,7 +990,7 @@
           <a:p>
             <a:fld id="{AFCB438B-53EA-094D-A45F-391681BE2E8A}" type="datetimeFigureOut">
               <a:rPr lang="en-US" smtClean="0"/>
-              <a:t>11/11/20</a:t>
+              <a:t>2/28/21</a:t>
             </a:fld>
             <a:endParaRPr lang="en-US"/>
           </a:p>
@@ -1165,7 +1165,7 @@
           <a:p>
             <a:fld id="{AFCB438B-53EA-094D-A45F-391681BE2E8A}" type="datetimeFigureOut">
               <a:rPr lang="en-US" smtClean="0"/>
-              <a:t>11/11/20</a:t>
+              <a:t>2/28/21</a:t>
             </a:fld>
             <a:endParaRPr lang="en-US"/>
           </a:p>
@@ -1384,7 +1384,7 @@
           <a:p>
             <a:fld id="{AFCB438B-53EA-094D-A45F-391681BE2E8A}" type="datetimeFigureOut">
               <a:rPr lang="en-US" smtClean="0"/>
-              <a:t>11/11/20</a:t>
+              <a:t>2/28/21</a:t>
             </a:fld>
             <a:endParaRPr lang="en-US"/>
           </a:p>
@@ -1623,7 +1623,7 @@
           <a:p>
             <a:fld id="{AFCB438B-53EA-094D-A45F-391681BE2E8A}" type="datetimeFigureOut">
               <a:rPr lang="en-US" smtClean="0"/>
-              <a:t>11/11/20</a:t>
+              <a:t>2/28/21</a:t>
             </a:fld>
             <a:endParaRPr lang="en-US"/>
           </a:p>
@@ -1850,7 +1850,7 @@
           <a:p>
             <a:fld id="{AFCB438B-53EA-094D-A45F-391681BE2E8A}" type="datetimeFigureOut">
               <a:rPr lang="en-US" smtClean="0"/>
-              <a:t>11/11/20</a:t>
+              <a:t>2/28/21</a:t>
             </a:fld>
             <a:endParaRPr lang="en-US"/>
           </a:p>
@@ -2212,7 +2212,7 @@
           <a:p>
             <a:fld id="{AFCB438B-53EA-094D-A45F-391681BE2E8A}" type="datetimeFigureOut">
               <a:rPr lang="en-US" smtClean="0"/>
-              <a:t>11/11/20</a:t>
+              <a:t>2/28/21</a:t>
             </a:fld>
             <a:endParaRPr lang="en-US"/>
           </a:p>
@@ -2325,7 +2325,7 @@
           <a:p>
             <a:fld id="{AFCB438B-53EA-094D-A45F-391681BE2E8A}" type="datetimeFigureOut">
               <a:rPr lang="en-US" smtClean="0"/>
-              <a:t>11/11/20</a:t>
+              <a:t>2/28/21</a:t>
             </a:fld>
             <a:endParaRPr lang="en-US"/>
           </a:p>
@@ -2415,7 +2415,7 @@
           <a:p>
             <a:fld id="{AFCB438B-53EA-094D-A45F-391681BE2E8A}" type="datetimeFigureOut">
               <a:rPr lang="en-US" smtClean="0"/>
-              <a:t>11/11/20</a:t>
+              <a:t>2/28/21</a:t>
             </a:fld>
             <a:endParaRPr lang="en-US"/>
           </a:p>
@@ -2687,7 +2687,7 @@
           <a:p>
             <a:fld id="{AFCB438B-53EA-094D-A45F-391681BE2E8A}" type="datetimeFigureOut">
               <a:rPr lang="en-US" smtClean="0"/>
-              <a:t>11/11/20</a:t>
+              <a:t>2/28/21</a:t>
             </a:fld>
             <a:endParaRPr lang="en-US"/>
           </a:p>
@@ -2939,7 +2939,7 @@
           <a:p>
             <a:fld id="{AFCB438B-53EA-094D-A45F-391681BE2E8A}" type="datetimeFigureOut">
               <a:rPr lang="en-US" smtClean="0"/>
-              <a:t>11/11/20</a:t>
+              <a:t>2/28/21</a:t>
             </a:fld>
             <a:endParaRPr lang="en-US"/>
           </a:p>
@@ -3147,7 +3147,7 @@
           <a:p>
             <a:fld id="{AFCB438B-53EA-094D-A45F-391681BE2E8A}" type="datetimeFigureOut">
               <a:rPr lang="en-US" smtClean="0"/>
-              <a:t>11/11/20</a:t>
+              <a:t>2/28/21</a:t>
             </a:fld>
             <a:endParaRPr lang="en-US"/>
           </a:p>
@@ -3724,8 +3724,8 @@
         </p:nvSpPr>
         <p:spPr>
           <a:xfrm>
-            <a:off x="2577619" y="2155517"/>
-            <a:ext cx="1651000" cy="3000821"/>
+            <a:off x="2520777" y="2155517"/>
+            <a:ext cx="1707841" cy="3000821"/>
           </a:xfrm>
           <a:prstGeom prst="rect">
             <a:avLst/>
@@ -3857,8 +3857,16 @@
                 <a:ea typeface="Avenir Book" charset="0"/>
                 <a:cs typeface="Avenir Book" charset="0"/>
               </a:rPr>
-              <a:t>Scan:</a:t>
-            </a:r>
+              <a:t>Physician:</a:t>
+            </a:r>
+            <a:endParaRPr lang="en-US" sz="2200" b="1" dirty="0" smtClean="0">
+              <a:solidFill>
+                <a:srgbClr val="0070C0"/>
+              </a:solidFill>
+              <a:latin typeface="Avenir Book" charset="0"/>
+              <a:ea typeface="Avenir Book" charset="0"/>
+              <a:cs typeface="Avenir Book" charset="0"/>
+            </a:endParaRPr>
           </a:p>
           <a:p>
             <a:pPr algn="r">
@@ -4083,7 +4091,7 @@
                 <a:ea typeface="Avenir Book" charset="0"/>
                 <a:cs typeface="Avenir Book" charset="0"/>
               </a:rPr>
-              <a:t>Clinical/Research</a:t>
+              <a:t>&lt;name&gt;</a:t>
             </a:r>
             <a:endParaRPr lang="en-US" sz="2207" b="1" dirty="0">
               <a:solidFill>
@@ -4786,7 +4794,7 @@
           <a:lstStyle/>
           <a:p>
             <a:r>
-              <a:rPr lang="en-US" sz="1600" b="1" dirty="0">
+              <a:rPr lang="en-US" sz="1600" b="1">
                 <a:solidFill>
                   <a:srgbClr val="FFFFFF"/>
                 </a:solidFill>
@@ -4797,7 +4805,7 @@
               <a:t>Interpretation</a:t>
             </a:r>
             <a:r>
-              <a:rPr lang="en-US" sz="1600" b="1" dirty="0" smtClean="0">
+              <a:rPr lang="en-US" sz="1600" b="1" smtClean="0">
                 <a:solidFill>
                   <a:srgbClr val="FFFFFF"/>
                 </a:solidFill>
@@ -4805,52 +4813,16 @@
                 <a:ea typeface="Avenir Book" charset="0"/>
                 <a:cs typeface="Avenir Book" charset="0"/>
               </a:rPr>
-              <a:t>: </a:t>
-            </a:r>
-            <a:r>
-              <a:rPr lang="en-US" sz="1600" dirty="0">
-                <a:solidFill>
-                  <a:srgbClr val="FF0000"/>
-                </a:solidFill>
-                <a:latin typeface="Avenir Book" charset="0"/>
-                <a:ea typeface="Avenir Book" charset="0"/>
-                <a:cs typeface="Avenir Book" charset="0"/>
-              </a:rPr>
-              <a:t>The EtCO2 change over the two stimulus periods was approximately </a:t>
-            </a:r>
-            <a:r>
-              <a:rPr lang="en-US" sz="1600" dirty="0" smtClean="0">
-                <a:solidFill>
-                  <a:srgbClr val="FF0000"/>
-                </a:solidFill>
-                <a:latin typeface="Avenir Book" charset="0"/>
-                <a:ea typeface="Avenir Book" charset="0"/>
-                <a:cs typeface="Avenir Book" charset="0"/>
-              </a:rPr>
-              <a:t>5-6 </a:t>
-            </a:r>
-            <a:r>
-              <a:rPr lang="en-US" sz="1600" dirty="0">
-                <a:solidFill>
-                  <a:srgbClr val="FF0000"/>
-                </a:solidFill>
-                <a:latin typeface="Avenir Book" charset="0"/>
-                <a:ea typeface="Avenir Book" charset="0"/>
-                <a:cs typeface="Avenir Book" charset="0"/>
-              </a:rPr>
-              <a:t>mmHg and reproducible, which is consistent with acceptable stimulus delivery.</a:t>
-            </a:r>
-            <a:r>
-              <a:rPr lang="en-US" sz="1600" b="1" dirty="0">
-                <a:solidFill>
-                  <a:srgbClr val="FF0000"/>
-                </a:solidFill>
-                <a:latin typeface="Avenir Book" charset="0"/>
-                <a:ea typeface="Avenir Book" charset="0"/>
-                <a:cs typeface="Avenir Book" charset="0"/>
-              </a:rPr>
-              <a:t> </a:t>
-            </a:r>
+              <a:t>:</a:t>
+            </a:r>
+            <a:endParaRPr lang="en-US" sz="1600" b="1" dirty="0">
+              <a:solidFill>
+                <a:srgbClr val="FF0000"/>
+              </a:solidFill>
+              <a:latin typeface="Avenir Book" charset="0"/>
+              <a:ea typeface="Avenir Book" charset="0"/>
+              <a:cs typeface="Avenir Book" charset="0"/>
+            </a:endParaRPr>
           </a:p>
         </p:txBody>
       </p:sp>
@@ -6970,18 +6942,7 @@
                 <a:ea typeface="Avenir Book" charset="0"/>
                 <a:cs typeface="Avenir Book" charset="0"/>
               </a:rPr>
-              <a:t>: </a:t>
-            </a:r>
-            <a:r>
-              <a:rPr lang="en-US" sz="1600" dirty="0" smtClean="0">
-                <a:solidFill>
-                  <a:srgbClr val="FF0000"/>
-                </a:solidFill>
-                <a:latin typeface="Avenir Book" charset="0"/>
-                <a:ea typeface="Avenir Book" charset="0"/>
-                <a:cs typeface="Avenir Book" charset="0"/>
-              </a:rPr>
-              <a:t>CBF-weighted signal is high near the site of the left EDAS surgery from 2013. This is consistent with a good revascularization response. Contralateral and posterior CBF appears to be within a normal range.</a:t>
+              <a:t>:</a:t>
             </a:r>
             <a:endParaRPr lang="en-US" sz="1600" b="1" dirty="0">
               <a:solidFill>
@@ -8193,29 +8154,18 @@
                 <a:ea typeface="Avenir Book" charset="0"/>
                 <a:cs typeface="Avenir Book" charset="0"/>
               </a:rPr>
-              <a:t>Interpretation: </a:t>
-            </a:r>
-            <a:r>
-              <a:rPr lang="en-US" sz="1600" dirty="0">
-                <a:solidFill>
-                  <a:srgbClr val="FF0000"/>
-                </a:solidFill>
-                <a:latin typeface="Avenir Book" charset="0"/>
-                <a:ea typeface="Avenir Book" charset="0"/>
-                <a:cs typeface="Avenir Book" charset="0"/>
-              </a:rPr>
-              <a:t>Experimental comparison of patient CBF and CBF values from adults without flow-limiting stenosis (&gt;70% stenosis; black dots and gray curves). </a:t>
-            </a:r>
-            <a:r>
-              <a:rPr lang="en-US" sz="1600" dirty="0" smtClean="0">
-                <a:solidFill>
-                  <a:srgbClr val="FF0000"/>
-                </a:solidFill>
-                <a:latin typeface="Avenir Book" charset="0"/>
-                <a:ea typeface="Avenir Book" charset="0"/>
-                <a:cs typeface="Avenir Book" charset="0"/>
-              </a:rPr>
-              <a:t>CBF is largely within a normal range, and is moderately elevated on average in the left MCA territory due to the likely effect of the prior EDAS.</a:t>
+              <a:t>Interpretation</a:t>
+            </a:r>
+            <a:r>
+              <a:rPr lang="en-US" sz="1600" b="1" dirty="0" smtClean="0">
+                <a:solidFill>
+                  <a:srgbClr val="FFFFFF"/>
+                </a:solidFill>
+                <a:latin typeface="Avenir Book" charset="0"/>
+                <a:ea typeface="Avenir Book" charset="0"/>
+                <a:cs typeface="Avenir Book" charset="0"/>
+              </a:rPr>
+              <a:t>:</a:t>
             </a:r>
             <a:endParaRPr lang="en-US" sz="1600" b="1" dirty="0">
               <a:solidFill>
@@ -8736,18 +8686,7 @@
                 <a:ea typeface="Avenir Book" charset="0"/>
                 <a:cs typeface="Avenir Book" charset="0"/>
               </a:rPr>
-              <a:t>: </a:t>
-            </a:r>
-            <a:r>
-              <a:rPr lang="en-US" sz="1600" dirty="0" smtClean="0">
-                <a:solidFill>
-                  <a:srgbClr val="FF0000"/>
-                </a:solidFill>
-                <a:latin typeface="Avenir Book" charset="0"/>
-                <a:ea typeface="Avenir Book" charset="0"/>
-                <a:cs typeface="Avenir Book" charset="0"/>
-              </a:rPr>
-              <a:t>The CVR-weighted signal appears to be in a normal range in the right anterior and posterior flow territories. There remains some asymmetry in the right vs. left anterior flow territory reactivity, with the left appearing slightly reduced in several regions (yellow arrows).</a:t>
+              <a:t>:</a:t>
             </a:r>
             <a:endParaRPr lang="en-US" sz="1600" b="1" dirty="0">
               <a:solidFill>
@@ -9130,7 +9069,7 @@
           <a:lstStyle/>
           <a:p>
             <a:r>
-              <a:rPr lang="en-US" sz="1600" b="1" dirty="0">
+              <a:rPr lang="en-US" sz="1600" b="1" dirty="0" smtClean="0">
                 <a:solidFill>
                   <a:srgbClr val="FFFFFF"/>
                 </a:solidFill>
@@ -9138,29 +9077,7 @@
                 <a:ea typeface="Avenir Book" charset="0"/>
                 <a:cs typeface="Avenir Book" charset="0"/>
               </a:rPr>
-              <a:t>Interpretation</a:t>
-            </a:r>
-            <a:r>
-              <a:rPr lang="en-US" sz="1600" b="1" dirty="0" smtClean="0">
-                <a:solidFill>
-                  <a:srgbClr val="FFFFFF"/>
-                </a:solidFill>
-                <a:latin typeface="Avenir Book" charset="0"/>
-                <a:ea typeface="Avenir Book" charset="0"/>
-                <a:cs typeface="Avenir Book" charset="0"/>
-              </a:rPr>
-              <a:t>: </a:t>
-            </a:r>
-            <a:r>
-              <a:rPr lang="en-US" sz="1600" dirty="0" smtClean="0">
-                <a:solidFill>
-                  <a:srgbClr val="FF0000"/>
-                </a:solidFill>
-                <a:latin typeface="Avenir Book" charset="0"/>
-                <a:ea typeface="Avenir Book" charset="0"/>
-                <a:cs typeface="Avenir Book" charset="0"/>
-              </a:rPr>
-              <a:t>These maps are largely consistent with the CBF maps shown on Slide 4, showing little evidence of hemodynamic impairment in the left hemisphere after the EDAS. Therefore apparent impairment on the prior CVR-weighted images are likely due to delays in reactivity (quantified on the next slide).</a:t>
+              <a:t>Interpretation:</a:t>
             </a:r>
             <a:endParaRPr lang="en-US" sz="1600" b="1" dirty="0">
               <a:solidFill>
@@ -9838,18 +9755,7 @@
                 <a:ea typeface="Avenir Book" charset="0"/>
                 <a:cs typeface="Avenir Book" charset="0"/>
               </a:rPr>
-              <a:t>: </a:t>
-            </a:r>
-            <a:r>
-              <a:rPr lang="en-US" sz="1600" dirty="0" smtClean="0">
-                <a:solidFill>
-                  <a:srgbClr val="FF0000"/>
-                </a:solidFill>
-                <a:latin typeface="Avenir Book" charset="0"/>
-                <a:ea typeface="Avenir Book" charset="0"/>
-                <a:cs typeface="Avenir Book" charset="0"/>
-              </a:rPr>
-              <a:t>There is evidence of delayed reactivity in the left hemisphere. However, as shown on the prior slide the maximal reactivity (ability of these vessels to dilate once this delay is taken into account) does not appear impaired.</a:t>
+              <a:t>:</a:t>
             </a:r>
             <a:endParaRPr lang="en-US" sz="1600" b="1" dirty="0">
               <a:solidFill>
@@ -10671,40 +10577,7 @@
                 <a:ea typeface="Avenir Book" charset="0"/>
                 <a:cs typeface="Avenir Book" charset="0"/>
               </a:rPr>
-              <a:t>: </a:t>
-            </a:r>
-            <a:r>
-              <a:rPr lang="en-US" sz="1600" dirty="0" smtClean="0">
-                <a:solidFill>
-                  <a:srgbClr val="FF0000"/>
-                </a:solidFill>
-                <a:latin typeface="Avenir Book" charset="0"/>
-                <a:ea typeface="Avenir Book" charset="0"/>
-                <a:cs typeface="Avenir Book" charset="0"/>
-              </a:rPr>
-              <a:t>Delays are evident in all flow territories, consistent with </a:t>
-            </a:r>
-            <a:r>
-              <a:rPr lang="en-US" sz="1600" dirty="0" err="1" smtClean="0">
-                <a:solidFill>
-                  <a:srgbClr val="FF0000"/>
-                </a:solidFill>
-                <a:latin typeface="Avenir Book" charset="0"/>
-                <a:ea typeface="Avenir Book" charset="0"/>
-                <a:cs typeface="Avenir Book" charset="0"/>
-              </a:rPr>
-              <a:t>moyamoya</a:t>
-            </a:r>
-            <a:r>
-              <a:rPr lang="en-US" sz="1600" dirty="0" smtClean="0">
-                <a:solidFill>
-                  <a:srgbClr val="FF0000"/>
-                </a:solidFill>
-                <a:latin typeface="Avenir Book" charset="0"/>
-                <a:ea typeface="Avenir Book" charset="0"/>
-                <a:cs typeface="Avenir Book" charset="0"/>
-              </a:rPr>
-              <a:t>, with the left side appearing more impaired than the right. These delays are present, however there is little evidence of impaired maximal reactivity or baseline CBF in these regions as shown on Slides 4 and 7.</a:t>
+              <a:t>:</a:t>
             </a:r>
             <a:endParaRPr lang="en-US" sz="1600" b="1" dirty="0">
               <a:solidFill>
